--- a/Golang.pptx
+++ b/Golang.pptx
@@ -215,7 +215,7 @@
           <a:p>
             <a:fld id="{415AB838-40C3-45EC-9B1D-78B40EFF9AD7}" type="datetimeFigureOut">
               <a:rPr lang="nl-BE" smtClean="0"/>
-              <a:t>24/11/2024</a:t>
+              <a:t>25/11/2024</a:t>
             </a:fld>
             <a:endParaRPr lang="nl-BE"/>
           </a:p>
@@ -716,7 +716,7 @@
           <a:p>
             <a:fld id="{205C27A1-A0F1-454B-A96E-4A260E1A069C}" type="datetimeFigureOut">
               <a:rPr lang="nl-BE" smtClean="0"/>
-              <a:t>24/11/2024</a:t>
+              <a:t>25/11/2024</a:t>
             </a:fld>
             <a:endParaRPr lang="nl-BE"/>
           </a:p>
@@ -916,7 +916,7 @@
           <a:p>
             <a:fld id="{205C27A1-A0F1-454B-A96E-4A260E1A069C}" type="datetimeFigureOut">
               <a:rPr lang="nl-BE" smtClean="0"/>
-              <a:t>24/11/2024</a:t>
+              <a:t>25/11/2024</a:t>
             </a:fld>
             <a:endParaRPr lang="nl-BE"/>
           </a:p>
@@ -1126,7 +1126,7 @@
           <a:p>
             <a:fld id="{205C27A1-A0F1-454B-A96E-4A260E1A069C}" type="datetimeFigureOut">
               <a:rPr lang="nl-BE" smtClean="0"/>
-              <a:t>24/11/2024</a:t>
+              <a:t>25/11/2024</a:t>
             </a:fld>
             <a:endParaRPr lang="nl-BE"/>
           </a:p>
@@ -1326,7 +1326,7 @@
           <a:p>
             <a:fld id="{205C27A1-A0F1-454B-A96E-4A260E1A069C}" type="datetimeFigureOut">
               <a:rPr lang="nl-BE" smtClean="0"/>
-              <a:t>24/11/2024</a:t>
+              <a:t>25/11/2024</a:t>
             </a:fld>
             <a:endParaRPr lang="nl-BE"/>
           </a:p>
@@ -1602,7 +1602,7 @@
           <a:p>
             <a:fld id="{205C27A1-A0F1-454B-A96E-4A260E1A069C}" type="datetimeFigureOut">
               <a:rPr lang="nl-BE" smtClean="0"/>
-              <a:t>24/11/2024</a:t>
+              <a:t>25/11/2024</a:t>
             </a:fld>
             <a:endParaRPr lang="nl-BE"/>
           </a:p>
@@ -1870,7 +1870,7 @@
           <a:p>
             <a:fld id="{205C27A1-A0F1-454B-A96E-4A260E1A069C}" type="datetimeFigureOut">
               <a:rPr lang="nl-BE" smtClean="0"/>
-              <a:t>24/11/2024</a:t>
+              <a:t>25/11/2024</a:t>
             </a:fld>
             <a:endParaRPr lang="nl-BE"/>
           </a:p>
@@ -2285,7 +2285,7 @@
           <a:p>
             <a:fld id="{205C27A1-A0F1-454B-A96E-4A260E1A069C}" type="datetimeFigureOut">
               <a:rPr lang="nl-BE" smtClean="0"/>
-              <a:t>24/11/2024</a:t>
+              <a:t>25/11/2024</a:t>
             </a:fld>
             <a:endParaRPr lang="nl-BE"/>
           </a:p>
@@ -2427,7 +2427,7 @@
           <a:p>
             <a:fld id="{205C27A1-A0F1-454B-A96E-4A260E1A069C}" type="datetimeFigureOut">
               <a:rPr lang="nl-BE" smtClean="0"/>
-              <a:t>24/11/2024</a:t>
+              <a:t>25/11/2024</a:t>
             </a:fld>
             <a:endParaRPr lang="nl-BE"/>
           </a:p>
@@ -2540,7 +2540,7 @@
           <a:p>
             <a:fld id="{205C27A1-A0F1-454B-A96E-4A260E1A069C}" type="datetimeFigureOut">
               <a:rPr lang="nl-BE" smtClean="0"/>
-              <a:t>24/11/2024</a:t>
+              <a:t>25/11/2024</a:t>
             </a:fld>
             <a:endParaRPr lang="nl-BE"/>
           </a:p>
@@ -2853,7 +2853,7 @@
           <a:p>
             <a:fld id="{205C27A1-A0F1-454B-A96E-4A260E1A069C}" type="datetimeFigureOut">
               <a:rPr lang="nl-BE" smtClean="0"/>
-              <a:t>24/11/2024</a:t>
+              <a:t>25/11/2024</a:t>
             </a:fld>
             <a:endParaRPr lang="nl-BE"/>
           </a:p>
@@ -3142,7 +3142,7 @@
           <a:p>
             <a:fld id="{205C27A1-A0F1-454B-A96E-4A260E1A069C}" type="datetimeFigureOut">
               <a:rPr lang="nl-BE" smtClean="0"/>
-              <a:t>24/11/2024</a:t>
+              <a:t>25/11/2024</a:t>
             </a:fld>
             <a:endParaRPr lang="nl-BE"/>
           </a:p>
@@ -3385,7 +3385,7 @@
           <a:p>
             <a:fld id="{205C27A1-A0F1-454B-A96E-4A260E1A069C}" type="datetimeFigureOut">
               <a:rPr lang="nl-BE" smtClean="0"/>
-              <a:t>24/11/2024</a:t>
+              <a:t>25/11/2024</a:t>
             </a:fld>
             <a:endParaRPr lang="nl-BE"/>
           </a:p>
@@ -7807,6 +7807,73 @@
           </a:prstGeom>
         </p:spPr>
       </p:pic>
+      <p:sp>
+        <p:nvSpPr>
+          <p:cNvPr id="5" name="Tekstvak 4">
+            <a:extLst>
+              <a:ext uri="{FF2B5EF4-FFF2-40B4-BE49-F238E27FC236}">
+                <a16:creationId xmlns:a16="http://schemas.microsoft.com/office/drawing/2014/main" id="{D411BDCA-6277-57DD-DFA4-7BDC12D861DD}"/>
+              </a:ext>
+            </a:extLst>
+          </p:cNvPr>
+          <p:cNvSpPr txBox="1"/>
+          <p:nvPr/>
+        </p:nvSpPr>
+        <p:spPr>
+          <a:xfrm>
+            <a:off x="789988" y="4983065"/>
+            <a:ext cx="3215149" cy="646331"/>
+          </a:xfrm>
+          <a:prstGeom prst="rect">
+            <a:avLst/>
+          </a:prstGeom>
+          <a:noFill/>
+        </p:spPr>
+        <p:txBody>
+          <a:bodyPr wrap="square" rtlCol="0">
+            <a:spAutoFit/>
+          </a:bodyPr>
+          <a:lstStyle/>
+          <a:p>
+            <a:r>
+              <a:rPr lang="en-BE" dirty="0">
+                <a:solidFill>
+                  <a:schemeClr val="bg1"/>
+                </a:solidFill>
+              </a:rPr>
+              <a:t>*</a:t>
+            </a:r>
+            <a:r>
+              <a:rPr lang="en-BE" dirty="0" err="1">
+                <a:solidFill>
+                  <a:schemeClr val="bg1"/>
+                </a:solidFill>
+              </a:rPr>
+              <a:t>val</a:t>
+            </a:r>
+            <a:endParaRPr lang="en-BE" dirty="0">
+              <a:solidFill>
+                <a:schemeClr val="bg1"/>
+              </a:solidFill>
+            </a:endParaRPr>
+          </a:p>
+          <a:p>
+            <a:r>
+              <a:rPr lang="en-BE" dirty="0">
+                <a:solidFill>
+                  <a:schemeClr val="bg1"/>
+                </a:solidFill>
+              </a:rPr>
+              <a:t>&amp;ref</a:t>
+            </a:r>
+            <a:endParaRPr lang="nl-BE" dirty="0">
+              <a:solidFill>
+                <a:schemeClr val="bg1"/>
+              </a:solidFill>
+            </a:endParaRPr>
+          </a:p>
+        </p:txBody>
+      </p:sp>
     </p:spTree>
     <p:extLst>
       <p:ext uri="{BB962C8B-B14F-4D97-AF65-F5344CB8AC3E}">
@@ -7935,8 +8002,8 @@
           <a:lstStyle/>
           <a:p>
             <a:r>
-              <a:rPr lang="en-BE" dirty="0" err="1"/>
-              <a:t>sdf</a:t>
+              <a:rPr lang="en-BE"/>
+              <a:t>Demo</a:t>
             </a:r>
             <a:endParaRPr lang="nl-BE" dirty="0"/>
           </a:p>

--- a/Golang.pptx
+++ b/Golang.pptx
@@ -5,7 +5,7 @@
     <p:sldMasterId id="2147483648" r:id="rId1"/>
   </p:sldMasterIdLst>
   <p:notesMasterIdLst>
-    <p:notesMasterId r:id="rId21"/>
+    <p:notesMasterId r:id="rId19"/>
   </p:notesMasterIdLst>
   <p:sldIdLst>
     <p:sldId id="277" r:id="rId2"/>
@@ -17,16 +17,14 @@
     <p:sldId id="278" r:id="rId8"/>
     <p:sldId id="276" r:id="rId9"/>
     <p:sldId id="274" r:id="rId10"/>
-    <p:sldId id="281" r:id="rId11"/>
-    <p:sldId id="261" r:id="rId12"/>
-    <p:sldId id="260" r:id="rId13"/>
-    <p:sldId id="268" r:id="rId14"/>
-    <p:sldId id="269" r:id="rId15"/>
-    <p:sldId id="270" r:id="rId16"/>
-    <p:sldId id="263" r:id="rId17"/>
-    <p:sldId id="265" r:id="rId18"/>
-    <p:sldId id="272" r:id="rId19"/>
-    <p:sldId id="279" r:id="rId20"/>
+    <p:sldId id="261" r:id="rId11"/>
+    <p:sldId id="268" r:id="rId12"/>
+    <p:sldId id="263" r:id="rId13"/>
+    <p:sldId id="265" r:id="rId14"/>
+    <p:sldId id="260" r:id="rId15"/>
+    <p:sldId id="281" r:id="rId16"/>
+    <p:sldId id="272" r:id="rId17"/>
+    <p:sldId id="279" r:id="rId18"/>
   </p:sldIdLst>
   <p:sldSz cx="12192000" cy="6858000"/>
   <p:notesSz cx="6858000" cy="9144000"/>
@@ -215,7 +213,7 @@
           <a:p>
             <a:fld id="{415AB838-40C3-45EC-9B1D-78B40EFF9AD7}" type="datetimeFigureOut">
               <a:rPr lang="nl-BE" smtClean="0"/>
-              <a:t>25/11/2024</a:t>
+              <a:t>30/11/2024</a:t>
             </a:fld>
             <a:endParaRPr lang="nl-BE"/>
           </a:p>
@@ -716,7 +714,7 @@
           <a:p>
             <a:fld id="{205C27A1-A0F1-454B-A96E-4A260E1A069C}" type="datetimeFigureOut">
               <a:rPr lang="nl-BE" smtClean="0"/>
-              <a:t>25/11/2024</a:t>
+              <a:t>30/11/2024</a:t>
             </a:fld>
             <a:endParaRPr lang="nl-BE"/>
           </a:p>
@@ -916,7 +914,7 @@
           <a:p>
             <a:fld id="{205C27A1-A0F1-454B-A96E-4A260E1A069C}" type="datetimeFigureOut">
               <a:rPr lang="nl-BE" smtClean="0"/>
-              <a:t>25/11/2024</a:t>
+              <a:t>30/11/2024</a:t>
             </a:fld>
             <a:endParaRPr lang="nl-BE"/>
           </a:p>
@@ -1126,7 +1124,7 @@
           <a:p>
             <a:fld id="{205C27A1-A0F1-454B-A96E-4A260E1A069C}" type="datetimeFigureOut">
               <a:rPr lang="nl-BE" smtClean="0"/>
-              <a:t>25/11/2024</a:t>
+              <a:t>30/11/2024</a:t>
             </a:fld>
             <a:endParaRPr lang="nl-BE"/>
           </a:p>
@@ -1326,7 +1324,7 @@
           <a:p>
             <a:fld id="{205C27A1-A0F1-454B-A96E-4A260E1A069C}" type="datetimeFigureOut">
               <a:rPr lang="nl-BE" smtClean="0"/>
-              <a:t>25/11/2024</a:t>
+              <a:t>30/11/2024</a:t>
             </a:fld>
             <a:endParaRPr lang="nl-BE"/>
           </a:p>
@@ -1602,7 +1600,7 @@
           <a:p>
             <a:fld id="{205C27A1-A0F1-454B-A96E-4A260E1A069C}" type="datetimeFigureOut">
               <a:rPr lang="nl-BE" smtClean="0"/>
-              <a:t>25/11/2024</a:t>
+              <a:t>30/11/2024</a:t>
             </a:fld>
             <a:endParaRPr lang="nl-BE"/>
           </a:p>
@@ -1870,7 +1868,7 @@
           <a:p>
             <a:fld id="{205C27A1-A0F1-454B-A96E-4A260E1A069C}" type="datetimeFigureOut">
               <a:rPr lang="nl-BE" smtClean="0"/>
-              <a:t>25/11/2024</a:t>
+              <a:t>30/11/2024</a:t>
             </a:fld>
             <a:endParaRPr lang="nl-BE"/>
           </a:p>
@@ -2285,7 +2283,7 @@
           <a:p>
             <a:fld id="{205C27A1-A0F1-454B-A96E-4A260E1A069C}" type="datetimeFigureOut">
               <a:rPr lang="nl-BE" smtClean="0"/>
-              <a:t>25/11/2024</a:t>
+              <a:t>30/11/2024</a:t>
             </a:fld>
             <a:endParaRPr lang="nl-BE"/>
           </a:p>
@@ -2427,7 +2425,7 @@
           <a:p>
             <a:fld id="{205C27A1-A0F1-454B-A96E-4A260E1A069C}" type="datetimeFigureOut">
               <a:rPr lang="nl-BE" smtClean="0"/>
-              <a:t>25/11/2024</a:t>
+              <a:t>30/11/2024</a:t>
             </a:fld>
             <a:endParaRPr lang="nl-BE"/>
           </a:p>
@@ -2540,7 +2538,7 @@
           <a:p>
             <a:fld id="{205C27A1-A0F1-454B-A96E-4A260E1A069C}" type="datetimeFigureOut">
               <a:rPr lang="nl-BE" smtClean="0"/>
-              <a:t>25/11/2024</a:t>
+              <a:t>30/11/2024</a:t>
             </a:fld>
             <a:endParaRPr lang="nl-BE"/>
           </a:p>
@@ -2853,7 +2851,7 @@
           <a:p>
             <a:fld id="{205C27A1-A0F1-454B-A96E-4A260E1A069C}" type="datetimeFigureOut">
               <a:rPr lang="nl-BE" smtClean="0"/>
-              <a:t>25/11/2024</a:t>
+              <a:t>30/11/2024</a:t>
             </a:fld>
             <a:endParaRPr lang="nl-BE"/>
           </a:p>
@@ -3142,7 +3140,7 @@
           <a:p>
             <a:fld id="{205C27A1-A0F1-454B-A96E-4A260E1A069C}" type="datetimeFigureOut">
               <a:rPr lang="nl-BE" smtClean="0"/>
-              <a:t>25/11/2024</a:t>
+              <a:t>30/11/2024</a:t>
             </a:fld>
             <a:endParaRPr lang="nl-BE"/>
           </a:p>
@@ -3385,7 +3383,7 @@
           <a:p>
             <a:fld id="{205C27A1-A0F1-454B-A96E-4A260E1A069C}" type="datetimeFigureOut">
               <a:rPr lang="nl-BE" smtClean="0"/>
-              <a:t>25/11/2024</a:t>
+              <a:t>30/11/2024</a:t>
             </a:fld>
             <a:endParaRPr lang="nl-BE"/>
           </a:p>
@@ -3961,13 +3959,7 @@
   <p:cSld>
     <p:spTree>
       <p:nvGrpSpPr>
-        <p:cNvPr id="1" name="">
-          <a:extLst>
-            <a:ext uri="{FF2B5EF4-FFF2-40B4-BE49-F238E27FC236}">
-              <a16:creationId xmlns:a16="http://schemas.microsoft.com/office/drawing/2014/main" id="{099696C2-0787-04E9-69A9-CCE747838AA6}"/>
-            </a:ext>
-          </a:extLst>
-        </p:cNvPr>
+        <p:cNvPr id="1" name=""/>
         <p:cNvGrpSpPr/>
         <p:nvPr/>
       </p:nvGrpSpPr>
@@ -3981,10 +3973,10 @@
       </p:grpSpPr>
       <p:pic>
         <p:nvPicPr>
-          <p:cNvPr id="9" name="Tijdelijke aanduiding voor inhoud 4">
-            <a:extLst>
-              <a:ext uri="{FF2B5EF4-FFF2-40B4-BE49-F238E27FC236}">
-                <a16:creationId xmlns:a16="http://schemas.microsoft.com/office/drawing/2014/main" id="{5DB73EE0-2FE2-2E23-C345-58D237FE2074}"/>
+          <p:cNvPr id="5" name="Tijdelijke aanduiding voor inhoud 5">
+            <a:extLst>
+              <a:ext uri="{FF2B5EF4-FFF2-40B4-BE49-F238E27FC236}">
+                <a16:creationId xmlns:a16="http://schemas.microsoft.com/office/drawing/2014/main" id="{F87DC3A4-06FC-0786-7613-1A8B514EF74C}"/>
               </a:ext>
             </a:extLst>
           </p:cNvPr>
@@ -4020,7 +4012,7 @@
           <p:cNvPr id="2" name="Titel 1">
             <a:extLst>
               <a:ext uri="{FF2B5EF4-FFF2-40B4-BE49-F238E27FC236}">
-                <a16:creationId xmlns:a16="http://schemas.microsoft.com/office/drawing/2014/main" id="{78AD5C75-B1D0-25E4-7D0E-9CF14FE2EE47}"/>
+                <a16:creationId xmlns:a16="http://schemas.microsoft.com/office/drawing/2014/main" id="{546C248B-3FF2-8D97-686C-09A00E49F5F3}"/>
               </a:ext>
             </a:extLst>
           </p:cNvPr>
@@ -4037,10 +4029,18 @@
           <a:lstStyle/>
           <a:p>
             <a:r>
-              <a:rPr lang="en-BE" b="1" dirty="0" err="1"/>
-              <a:t>Vergelijken</a:t>
-            </a:r>
-            <a:endParaRPr lang="nl-BE" b="1" dirty="0"/>
+              <a:rPr lang="en-BE" b="1" dirty="0" err="1">
+                <a:solidFill>
+                  <a:schemeClr val="bg1"/>
+                </a:solidFill>
+              </a:rPr>
+              <a:t>Snelheid</a:t>
+            </a:r>
+            <a:endParaRPr lang="nl-BE" b="1" dirty="0">
+              <a:solidFill>
+                <a:schemeClr val="bg1"/>
+              </a:solidFill>
+            </a:endParaRPr>
           </a:p>
         </p:txBody>
       </p:sp>
@@ -4049,7 +4049,7 @@
           <p:cNvPr id="3" name="Tijdelijke aanduiding voor inhoud 2">
             <a:extLst>
               <a:ext uri="{FF2B5EF4-FFF2-40B4-BE49-F238E27FC236}">
-                <a16:creationId xmlns:a16="http://schemas.microsoft.com/office/drawing/2014/main" id="{E199052A-E95E-B3CA-FF51-8817B42C0764}"/>
+                <a16:creationId xmlns:a16="http://schemas.microsoft.com/office/drawing/2014/main" id="{8A2A7819-41C4-FE42-0CFB-8244CD8CA058}"/>
               </a:ext>
             </a:extLst>
           </p:cNvPr>
@@ -4067,35 +4067,28 @@
           <a:p>
             <a:r>
               <a:rPr lang="nl-BE" dirty="0"/>
-              <a:t>P</a:t>
+              <a:t>V</a:t>
             </a:r>
             <a:r>
               <a:rPr lang="en-BE" dirty="0" err="1"/>
-              <a:t>ython</a:t>
+              <a:t>ergelijken</a:t>
             </a:r>
             <a:r>
               <a:rPr lang="en-BE" dirty="0"/>
-              <a:t> </a:t>
-            </a:r>
-          </a:p>
-          <a:p>
-            <a:r>
-              <a:rPr lang="en-BE" dirty="0"/>
-              <a:t>NodeJS</a:t>
-            </a:r>
-          </a:p>
-          <a:p>
-            <a:r>
-              <a:rPr lang="en-BE" dirty="0"/>
-              <a:t>C++</a:t>
-            </a:r>
+              <a:t> met </a:t>
+            </a:r>
+            <a:r>
+              <a:rPr lang="en-BE" dirty="0" err="1"/>
+              <a:t>nodejs</a:t>
+            </a:r>
+            <a:endParaRPr lang="nl-BE" dirty="0"/>
           </a:p>
         </p:txBody>
       </p:sp>
     </p:spTree>
     <p:extLst>
       <p:ext uri="{BB962C8B-B14F-4D97-AF65-F5344CB8AC3E}">
-        <p14:creationId xmlns:p14="http://schemas.microsoft.com/office/powerpoint/2010/main" val="2316844037"/>
+        <p14:creationId xmlns:p14="http://schemas.microsoft.com/office/powerpoint/2010/main" val="974621256"/>
       </p:ext>
     </p:extLst>
   </p:cSld>
@@ -4127,10 +4120,10 @@
       </p:grpSpPr>
       <p:pic>
         <p:nvPicPr>
-          <p:cNvPr id="5" name="Tijdelijke aanduiding voor inhoud 5">
-            <a:extLst>
-              <a:ext uri="{FF2B5EF4-FFF2-40B4-BE49-F238E27FC236}">
-                <a16:creationId xmlns:a16="http://schemas.microsoft.com/office/drawing/2014/main" id="{F87DC3A4-06FC-0786-7613-1A8B514EF74C}"/>
+          <p:cNvPr id="4" name="Tijdelijke aanduiding voor inhoud 4">
+            <a:extLst>
+              <a:ext uri="{FF2B5EF4-FFF2-40B4-BE49-F238E27FC236}">
+                <a16:creationId xmlns:a16="http://schemas.microsoft.com/office/drawing/2014/main" id="{0A7D27B7-1D31-2DEB-3A41-FA2D007FEB9E}"/>
               </a:ext>
             </a:extLst>
           </p:cNvPr>
@@ -4166,7 +4159,7 @@
           <p:cNvPr id="2" name="Titel 1">
             <a:extLst>
               <a:ext uri="{FF2B5EF4-FFF2-40B4-BE49-F238E27FC236}">
-                <a16:creationId xmlns:a16="http://schemas.microsoft.com/office/drawing/2014/main" id="{546C248B-3FF2-8D97-686C-09A00E49F5F3}"/>
+                <a16:creationId xmlns:a16="http://schemas.microsoft.com/office/drawing/2014/main" id="{722B715A-9445-9D79-26E5-A7B5FCD13513}"/>
               </a:ext>
             </a:extLst>
           </p:cNvPr>
@@ -4183,18 +4176,10 @@
           <a:lstStyle/>
           <a:p>
             <a:r>
-              <a:rPr lang="en-BE" b="1" dirty="0" err="1">
-                <a:solidFill>
-                  <a:schemeClr val="bg1"/>
-                </a:solidFill>
-              </a:rPr>
-              <a:t>Snelheid</a:t>
-            </a:r>
-            <a:endParaRPr lang="nl-BE" b="1" dirty="0">
-              <a:solidFill>
-                <a:schemeClr val="bg1"/>
-              </a:solidFill>
-            </a:endParaRPr>
+              <a:rPr lang="en-BE" b="1" dirty="0"/>
+              <a:t>Demo</a:t>
+            </a:r>
+            <a:endParaRPr lang="nl-BE" b="1" dirty="0"/>
           </a:p>
         </p:txBody>
       </p:sp>
@@ -4203,7 +4188,7 @@
           <p:cNvPr id="3" name="Tijdelijke aanduiding voor inhoud 2">
             <a:extLst>
               <a:ext uri="{FF2B5EF4-FFF2-40B4-BE49-F238E27FC236}">
-                <a16:creationId xmlns:a16="http://schemas.microsoft.com/office/drawing/2014/main" id="{8A2A7819-41C4-FE42-0CFB-8244CD8CA058}"/>
+                <a16:creationId xmlns:a16="http://schemas.microsoft.com/office/drawing/2014/main" id="{1412C5F5-E70E-D271-5E7E-47AAF765AE6E}"/>
               </a:ext>
             </a:extLst>
           </p:cNvPr>
@@ -4220,29 +4205,129 @@
           <a:lstStyle/>
           <a:p>
             <a:r>
+              <a:rPr lang="en-BE" dirty="0"/>
+              <a:t>Goroutines</a:t>
+            </a:r>
+          </a:p>
+          <a:p>
+            <a:r>
+              <a:rPr lang="en-BE" dirty="0"/>
+              <a:t>Generics</a:t>
+            </a:r>
+          </a:p>
+          <a:p>
+            <a:r>
               <a:rPr lang="nl-BE" dirty="0"/>
-              <a:t>V</a:t>
-            </a:r>
-            <a:r>
-              <a:rPr lang="en-BE" dirty="0" err="1"/>
-              <a:t>ergelijken</a:t>
+              <a:t>G</a:t>
             </a:r>
             <a:r>
               <a:rPr lang="en-BE" dirty="0"/>
-              <a:t> met </a:t>
-            </a:r>
-            <a:r>
-              <a:rPr lang="en-BE" dirty="0" err="1"/>
-              <a:t>nodejs</a:t>
+              <a:t>o build</a:t>
             </a:r>
             <a:endParaRPr lang="nl-BE" dirty="0"/>
           </a:p>
         </p:txBody>
       </p:sp>
+      <p:pic>
+        <p:nvPicPr>
+          <p:cNvPr id="6" name="Afbeelding 5">
+            <a:extLst>
+              <a:ext uri="{FF2B5EF4-FFF2-40B4-BE49-F238E27FC236}">
+                <a16:creationId xmlns:a16="http://schemas.microsoft.com/office/drawing/2014/main" id="{510F0880-4AE9-6ABF-4C73-CB662B706CBC}"/>
+              </a:ext>
+            </a:extLst>
+          </p:cNvPr>
+          <p:cNvPicPr>
+            <a:picLocks noChangeAspect="1"/>
+          </p:cNvPicPr>
+          <p:nvPr/>
+        </p:nvPicPr>
+        <p:blipFill>
+          <a:blip r:embed="rId4"/>
+          <a:stretch>
+            <a:fillRect/>
+          </a:stretch>
+        </p:blipFill>
+        <p:spPr>
+          <a:xfrm>
+            <a:off x="4957423" y="681037"/>
+            <a:ext cx="5246003" cy="2843724"/>
+          </a:xfrm>
+          <a:prstGeom prst="rect">
+            <a:avLst/>
+          </a:prstGeom>
+        </p:spPr>
+      </p:pic>
+      <p:pic>
+        <p:nvPicPr>
+          <p:cNvPr id="8" name="Afbeelding 7" descr="Afbeelding met tekenfilm, clipart, Tekenfilm, illustratie&#10;&#10;Automatisch gegenereerde beschrijving">
+            <a:extLst>
+              <a:ext uri="{FF2B5EF4-FFF2-40B4-BE49-F238E27FC236}">
+                <a16:creationId xmlns:a16="http://schemas.microsoft.com/office/drawing/2014/main" id="{9BBDF758-FAAE-466D-38EE-B769975747C1}"/>
+              </a:ext>
+            </a:extLst>
+          </p:cNvPr>
+          <p:cNvPicPr>
+            <a:picLocks noChangeAspect="1"/>
+          </p:cNvPicPr>
+          <p:nvPr/>
+        </p:nvPicPr>
+        <p:blipFill>
+          <a:blip r:embed="rId5">
+            <a:extLst>
+              <a:ext uri="{28A0092B-C50C-407E-A947-70E740481C1C}">
+                <a14:useLocalDpi xmlns:a14="http://schemas.microsoft.com/office/drawing/2010/main" val="0"/>
+              </a:ext>
+            </a:extLst>
+          </a:blip>
+          <a:stretch>
+            <a:fillRect/>
+          </a:stretch>
+        </p:blipFill>
+        <p:spPr>
+          <a:xfrm>
+            <a:off x="5322107" y="3059996"/>
+            <a:ext cx="4054449" cy="4054449"/>
+          </a:xfrm>
+          <a:prstGeom prst="rect">
+            <a:avLst/>
+          </a:prstGeom>
+        </p:spPr>
+      </p:pic>
+      <p:pic>
+        <p:nvPicPr>
+          <p:cNvPr id="10" name="Afbeelding 9">
+            <a:extLst>
+              <a:ext uri="{FF2B5EF4-FFF2-40B4-BE49-F238E27FC236}">
+                <a16:creationId xmlns:a16="http://schemas.microsoft.com/office/drawing/2014/main" id="{F5783F88-1BFF-FC46-5C87-43AD491DAC39}"/>
+              </a:ext>
+            </a:extLst>
+          </p:cNvPr>
+          <p:cNvPicPr>
+            <a:picLocks noChangeAspect="1"/>
+          </p:cNvPicPr>
+          <p:nvPr/>
+        </p:nvPicPr>
+        <p:blipFill>
+          <a:blip r:embed="rId6"/>
+          <a:stretch>
+            <a:fillRect/>
+          </a:stretch>
+        </p:blipFill>
+        <p:spPr>
+          <a:xfrm>
+            <a:off x="2137211" y="4001294"/>
+            <a:ext cx="1885886" cy="776542"/>
+          </a:xfrm>
+          <a:prstGeom prst="rect">
+            <a:avLst/>
+          </a:prstGeom>
+        </p:spPr>
+      </p:pic>
     </p:spTree>
     <p:extLst>
       <p:ext uri="{BB962C8B-B14F-4D97-AF65-F5344CB8AC3E}">
-        <p14:creationId xmlns:p14="http://schemas.microsoft.com/office/powerpoint/2010/main" val="974621256"/>
+        <p14:creationId xmlns:p14="http://schemas.microsoft.com/office/powerpoint/2010/main" val="4120511034"/>
       </p:ext>
     </p:extLst>
   </p:cSld>
@@ -4274,10 +4359,10 @@
       </p:grpSpPr>
       <p:pic>
         <p:nvPicPr>
-          <p:cNvPr id="4" name="Tijdelijke aanduiding voor inhoud 4">
-            <a:extLst>
-              <a:ext uri="{FF2B5EF4-FFF2-40B4-BE49-F238E27FC236}">
-                <a16:creationId xmlns:a16="http://schemas.microsoft.com/office/drawing/2014/main" id="{425E55F4-E02C-2C05-B286-C1C9D5DC3338}"/>
+          <p:cNvPr id="9" name="Tijdelijke aanduiding voor inhoud 4">
+            <a:extLst>
+              <a:ext uri="{FF2B5EF4-FFF2-40B4-BE49-F238E27FC236}">
+                <a16:creationId xmlns:a16="http://schemas.microsoft.com/office/drawing/2014/main" id="{1C7E6E36-6006-91F1-BA9C-C8237C5CBD51}"/>
               </a:ext>
             </a:extLst>
           </p:cNvPr>
@@ -4313,7 +4398,7 @@
           <p:cNvPr id="2" name="Titel 1">
             <a:extLst>
               <a:ext uri="{FF2B5EF4-FFF2-40B4-BE49-F238E27FC236}">
-                <a16:creationId xmlns:a16="http://schemas.microsoft.com/office/drawing/2014/main" id="{2FC44310-8D36-6458-7FB0-961096BCFCFF}"/>
+                <a16:creationId xmlns:a16="http://schemas.microsoft.com/office/drawing/2014/main" id="{04F64726-4323-EDAC-65A6-ACFD46BC8BCE}"/>
               </a:ext>
             </a:extLst>
           </p:cNvPr>
@@ -4331,7 +4416,7 @@
           <a:p>
             <a:r>
               <a:rPr lang="en-BE" b="1" dirty="0" err="1"/>
-              <a:t>Implementaties</a:t>
+              <a:t>Voordelen</a:t>
             </a:r>
             <a:endParaRPr lang="nl-BE" b="1" dirty="0"/>
           </a:p>
@@ -4342,7 +4427,7 @@
           <p:cNvPr id="3" name="Tijdelijke aanduiding voor inhoud 2">
             <a:extLst>
               <a:ext uri="{FF2B5EF4-FFF2-40B4-BE49-F238E27FC236}">
-                <a16:creationId xmlns:a16="http://schemas.microsoft.com/office/drawing/2014/main" id="{9CA552B6-75DC-A527-50F3-351477334058}"/>
+                <a16:creationId xmlns:a16="http://schemas.microsoft.com/office/drawing/2014/main" id="{3A8277BD-8970-783B-1468-79AEFA14CEBE}"/>
               </a:ext>
             </a:extLst>
           </p:cNvPr>
@@ -4355,64 +4440,89 @@
         </p:nvSpPr>
         <p:spPr/>
         <p:txBody>
-          <a:bodyPr>
-            <a:normAutofit/>
-          </a:bodyPr>
+          <a:bodyPr/>
           <a:lstStyle/>
           <a:p>
             <a:r>
+              <a:rPr lang="en-BE" b="1" dirty="0" err="1"/>
+              <a:t>Simpel</a:t>
+            </a:r>
+            <a:r>
               <a:rPr lang="en-BE" b="1" dirty="0"/>
-              <a:t>Cloud &amp; Network Services: </a:t>
+              <a:t> om </a:t>
+            </a:r>
+            <a:r>
+              <a:rPr lang="en-BE" b="1" dirty="0" err="1"/>
+              <a:t>te</a:t>
+            </a:r>
+            <a:r>
+              <a:rPr lang="en-BE" b="1" dirty="0"/>
+              <a:t> </a:t>
+            </a:r>
+            <a:r>
+              <a:rPr lang="en-BE" b="1" dirty="0" err="1"/>
+              <a:t>leren</a:t>
+            </a:r>
+            <a:r>
+              <a:rPr lang="en-BE" b="1" dirty="0"/>
+              <a:t>:</a:t>
             </a:r>
             <a:r>
               <a:rPr lang="en-BE" dirty="0"/>
-              <a:t>Google Cloud &amp; Dropbox</a:t>
-            </a:r>
+              <a:t> Syntax &amp; library</a:t>
+            </a:r>
+          </a:p>
+          <a:p>
+            <a:r>
+              <a:rPr lang="nl-NL" b="1" dirty="0"/>
+              <a:t>Performant</a:t>
+            </a:r>
+            <a:r>
+              <a:rPr lang="nl-NL" dirty="0"/>
+              <a:t>: </a:t>
+            </a:r>
+            <a:r>
+              <a:rPr lang="en-BE" dirty="0" err="1"/>
+              <a:t>Snel</a:t>
+            </a:r>
+            <a:r>
+              <a:rPr lang="nl-NL" dirty="0"/>
+              <a:t>!</a:t>
+            </a:r>
+            <a:endParaRPr lang="en-BE" dirty="0"/>
           </a:p>
           <a:p>
             <a:r>
               <a:rPr lang="en-BE" b="1" dirty="0" err="1"/>
-              <a:t>CLIs</a:t>
-            </a:r>
+              <a:t>Schaalbaar</a:t>
+            </a:r>
+            <a:r>
+              <a:rPr lang="nl-NL" dirty="0"/>
+              <a:t>: </a:t>
+            </a:r>
+            <a:r>
+              <a:rPr lang="nl-NL" dirty="0" err="1"/>
+              <a:t>Goroutines</a:t>
+            </a:r>
+            <a:endParaRPr lang="en-BE" dirty="0"/>
+          </a:p>
+          <a:p>
             <a:r>
               <a:rPr lang="en-BE" b="1" dirty="0"/>
-              <a:t>: </a:t>
+              <a:t>Compiler: </a:t>
             </a:r>
             <a:r>
               <a:rPr lang="en-BE" dirty="0"/>
-              <a:t>GitHub</a:t>
-            </a:r>
-          </a:p>
-          <a:p>
-            <a:r>
-              <a:rPr lang="en-BE" b="1" dirty="0" err="1"/>
-              <a:t>WebDev</a:t>
-            </a:r>
-            <a:r>
-              <a:rPr lang="en-BE" dirty="0"/>
-              <a:t>: Caddy v2 &amp; Cloudflare</a:t>
-            </a:r>
-          </a:p>
-          <a:p>
-            <a:r>
-              <a:rPr lang="en-BE" b="1" dirty="0"/>
-              <a:t>DevOps&amp; Site Reliability Engineering</a:t>
-            </a:r>
-            <a:r>
-              <a:rPr lang="en-BE" dirty="0"/>
-              <a:t>: Docker &amp; Netflix</a:t>
-            </a:r>
-            <a:endParaRPr lang="nl-BE" dirty="0"/>
-          </a:p>
-          <a:p>
-            <a:endParaRPr lang="en-BE" dirty="0"/>
+              <a:t>Go build</a:t>
+            </a:r>
+            <a:endParaRPr lang="en-BE" b="1" dirty="0"/>
           </a:p>
         </p:txBody>
       </p:sp>
     </p:spTree>
     <p:extLst>
       <p:ext uri="{BB962C8B-B14F-4D97-AF65-F5344CB8AC3E}">
-        <p14:creationId xmlns:p14="http://schemas.microsoft.com/office/powerpoint/2010/main" val="3555061024"/>
+        <p14:creationId xmlns:p14="http://schemas.microsoft.com/office/powerpoint/2010/main" val="1023531681"/>
       </p:ext>
     </p:extLst>
   </p:cSld>
@@ -4444,10 +4554,10 @@
       </p:grpSpPr>
       <p:pic>
         <p:nvPicPr>
-          <p:cNvPr id="4" name="Tijdelijke aanduiding voor inhoud 4">
-            <a:extLst>
-              <a:ext uri="{FF2B5EF4-FFF2-40B4-BE49-F238E27FC236}">
-                <a16:creationId xmlns:a16="http://schemas.microsoft.com/office/drawing/2014/main" id="{0A7D27B7-1D31-2DEB-3A41-FA2D007FEB9E}"/>
+          <p:cNvPr id="4" name="Tijdelijke aanduiding voor inhoud 5">
+            <a:extLst>
+              <a:ext uri="{FF2B5EF4-FFF2-40B4-BE49-F238E27FC236}">
+                <a16:creationId xmlns:a16="http://schemas.microsoft.com/office/drawing/2014/main" id="{B01AF4B3-7A51-D5BD-2958-20827526D9CD}"/>
               </a:ext>
             </a:extLst>
           </p:cNvPr>
@@ -4483,7 +4593,7 @@
           <p:cNvPr id="2" name="Titel 1">
             <a:extLst>
               <a:ext uri="{FF2B5EF4-FFF2-40B4-BE49-F238E27FC236}">
-                <a16:creationId xmlns:a16="http://schemas.microsoft.com/office/drawing/2014/main" id="{722B715A-9445-9D79-26E5-A7B5FCD13513}"/>
+                <a16:creationId xmlns:a16="http://schemas.microsoft.com/office/drawing/2014/main" id="{587EE10E-4368-F8F8-500A-E68F96D1FDBB}"/>
               </a:ext>
             </a:extLst>
           </p:cNvPr>
@@ -4500,10 +4610,18 @@
           <a:lstStyle/>
           <a:p>
             <a:r>
-              <a:rPr lang="en-BE" b="1" dirty="0"/>
-              <a:t>Go build</a:t>
-            </a:r>
-            <a:endParaRPr lang="nl-BE" b="1" dirty="0"/>
+              <a:rPr lang="en-BE" b="1" dirty="0" err="1">
+                <a:solidFill>
+                  <a:schemeClr val="bg1"/>
+                </a:solidFill>
+              </a:rPr>
+              <a:t>Nadelen</a:t>
+            </a:r>
+            <a:endParaRPr lang="nl-BE" b="1" dirty="0">
+              <a:solidFill>
+                <a:schemeClr val="bg1"/>
+              </a:solidFill>
+            </a:endParaRPr>
           </a:p>
         </p:txBody>
       </p:sp>
@@ -4512,7 +4630,7 @@
           <p:cNvPr id="3" name="Tijdelijke aanduiding voor inhoud 2">
             <a:extLst>
               <a:ext uri="{FF2B5EF4-FFF2-40B4-BE49-F238E27FC236}">
-                <a16:creationId xmlns:a16="http://schemas.microsoft.com/office/drawing/2014/main" id="{1412C5F5-E70E-D271-5E7E-47AAF765AE6E}"/>
+                <a16:creationId xmlns:a16="http://schemas.microsoft.com/office/drawing/2014/main" id="{0F0798DB-3DB3-D096-156A-C55B5CDB48FA}"/>
               </a:ext>
             </a:extLst>
           </p:cNvPr>
@@ -4529,13 +4647,100 @@
           <a:lstStyle/>
           <a:p>
             <a:r>
-              <a:rPr lang="nl-BE" dirty="0"/>
+              <a:rPr lang="nl-NL" b="1" dirty="0"/>
+              <a:t>Beperkt</a:t>
+            </a:r>
+            <a:r>
+              <a:rPr lang="en-BE" b="1" dirty="0"/>
+              <a:t>e </a:t>
+            </a:r>
+            <a:r>
+              <a:rPr lang="en-BE" b="1" dirty="0" err="1"/>
+              <a:t>functionaliteit</a:t>
+            </a:r>
+            <a:r>
+              <a:rPr lang="en-BE" b="1" dirty="0"/>
+              <a:t>: </a:t>
+            </a:r>
+            <a:r>
+              <a:rPr lang="en-BE" dirty="0" err="1"/>
+              <a:t>Amper</a:t>
+            </a:r>
+            <a:r>
+              <a:rPr lang="en-BE" dirty="0"/>
+              <a:t> </a:t>
+            </a:r>
+            <a:r>
+              <a:rPr lang="nl-NL" dirty="0"/>
+              <a:t>GUI-ontwikkeling</a:t>
+            </a:r>
+            <a:endParaRPr lang="en-BE" dirty="0"/>
+          </a:p>
+          <a:p>
+            <a:r>
+              <a:rPr lang="nl-NL" b="1" dirty="0"/>
+              <a:t>Geen </a:t>
+            </a:r>
+            <a:r>
+              <a:rPr lang="nl-NL" b="1" dirty="0" err="1"/>
+              <a:t>generics</a:t>
+            </a:r>
+            <a:r>
+              <a:rPr lang="nl-NL" b="1" dirty="0"/>
+              <a:t> (tot 1.18): </a:t>
+            </a:r>
+            <a:r>
+              <a:rPr lang="en-BE" dirty="0"/>
               <a:t>G</a:t>
             </a:r>
             <a:r>
+              <a:rPr lang="nl-NL" dirty="0" err="1"/>
+              <a:t>enerieke</a:t>
+            </a:r>
+            <a:r>
+              <a:rPr lang="nl-NL" dirty="0"/>
+              <a:t> </a:t>
+            </a:r>
+            <a:r>
+              <a:rPr lang="nl-NL" dirty="0" err="1"/>
+              <a:t>datastructur</a:t>
+            </a:r>
+            <a:r>
               <a:rPr lang="en-BE" dirty="0"/>
-              <a:t>o build</a:t>
-            </a:r>
+              <a:t>es</a:t>
+            </a:r>
+          </a:p>
+          <a:p>
+            <a:r>
+              <a:rPr lang="nl-NL" b="1" dirty="0"/>
+              <a:t>Minder </a:t>
+            </a:r>
+            <a:r>
+              <a:rPr lang="en-BE" b="1" dirty="0" err="1"/>
+              <a:t>robuust</a:t>
+            </a:r>
+            <a:r>
+              <a:rPr lang="nl-NL" b="1" dirty="0"/>
+              <a:t>: </a:t>
+            </a:r>
+            <a:r>
+              <a:rPr lang="nl-NL" dirty="0"/>
+              <a:t>Java </a:t>
+            </a:r>
+            <a:r>
+              <a:rPr lang="en-BE" dirty="0"/>
+              <a:t>/ </a:t>
+            </a:r>
+            <a:r>
+              <a:rPr lang="nl-NL" dirty="0"/>
+              <a:t>Python</a:t>
+            </a:r>
+            <a:r>
+              <a:rPr lang="en-BE" dirty="0"/>
+              <a:t> / Node</a:t>
+            </a:r>
+          </a:p>
+          <a:p>
             <a:endParaRPr lang="nl-BE" dirty="0"/>
           </a:p>
         </p:txBody>
@@ -4543,7 +4748,7 @@
     </p:spTree>
     <p:extLst>
       <p:ext uri="{BB962C8B-B14F-4D97-AF65-F5344CB8AC3E}">
-        <p14:creationId xmlns:p14="http://schemas.microsoft.com/office/powerpoint/2010/main" val="4120511034"/>
+        <p14:creationId xmlns:p14="http://schemas.microsoft.com/office/powerpoint/2010/main" val="1632776026"/>
       </p:ext>
     </p:extLst>
   </p:cSld>
@@ -4561,13 +4766,7 @@
   <p:cSld>
     <p:spTree>
       <p:nvGrpSpPr>
-        <p:cNvPr id="1" name="">
-          <a:extLst>
-            <a:ext uri="{FF2B5EF4-FFF2-40B4-BE49-F238E27FC236}">
-              <a16:creationId xmlns:a16="http://schemas.microsoft.com/office/drawing/2014/main" id="{3600506C-8468-639E-BF5F-E4F64CC14AF9}"/>
-            </a:ext>
-          </a:extLst>
-        </p:cNvPr>
+        <p:cNvPr id="1" name=""/>
         <p:cNvGrpSpPr/>
         <p:nvPr/>
       </p:nvGrpSpPr>
@@ -4581,10 +4780,10 @@
       </p:grpSpPr>
       <p:pic>
         <p:nvPicPr>
-          <p:cNvPr id="4" name="Tijdelijke aanduiding voor inhoud 5">
-            <a:extLst>
-              <a:ext uri="{FF2B5EF4-FFF2-40B4-BE49-F238E27FC236}">
-                <a16:creationId xmlns:a16="http://schemas.microsoft.com/office/drawing/2014/main" id="{76A3D64A-6E35-510E-FA62-9939F450FA52}"/>
+          <p:cNvPr id="4" name="Tijdelijke aanduiding voor inhoud 4">
+            <a:extLst>
+              <a:ext uri="{FF2B5EF4-FFF2-40B4-BE49-F238E27FC236}">
+                <a16:creationId xmlns:a16="http://schemas.microsoft.com/office/drawing/2014/main" id="{425E55F4-E02C-2C05-B286-C1C9D5DC3338}"/>
               </a:ext>
             </a:extLst>
           </p:cNvPr>
@@ -4620,7 +4819,7 @@
           <p:cNvPr id="2" name="Titel 1">
             <a:extLst>
               <a:ext uri="{FF2B5EF4-FFF2-40B4-BE49-F238E27FC236}">
-                <a16:creationId xmlns:a16="http://schemas.microsoft.com/office/drawing/2014/main" id="{827E10D1-4CA7-A5FB-43E3-4785FD0FD6FF}"/>
+                <a16:creationId xmlns:a16="http://schemas.microsoft.com/office/drawing/2014/main" id="{2FC44310-8D36-6458-7FB0-961096BCFCFF}"/>
               </a:ext>
             </a:extLst>
           </p:cNvPr>
@@ -4637,18 +4836,10 @@
           <a:lstStyle/>
           <a:p>
             <a:r>
-              <a:rPr lang="en-BE" b="1" dirty="0">
-                <a:solidFill>
-                  <a:schemeClr val="bg1"/>
-                </a:solidFill>
-              </a:rPr>
-              <a:t>Goroutines</a:t>
-            </a:r>
-            <a:endParaRPr lang="nl-BE" b="1" dirty="0">
-              <a:solidFill>
-                <a:schemeClr val="bg1"/>
-              </a:solidFill>
-            </a:endParaRPr>
+              <a:rPr lang="en-BE" b="1" dirty="0" err="1"/>
+              <a:t>Implementaties</a:t>
+            </a:r>
+            <a:endParaRPr lang="nl-BE" b="1" dirty="0"/>
           </a:p>
         </p:txBody>
       </p:sp>
@@ -4657,7 +4848,7 @@
           <p:cNvPr id="3" name="Tijdelijke aanduiding voor inhoud 2">
             <a:extLst>
               <a:ext uri="{FF2B5EF4-FFF2-40B4-BE49-F238E27FC236}">
-                <a16:creationId xmlns:a16="http://schemas.microsoft.com/office/drawing/2014/main" id="{C5AC96D2-6CE7-B130-5A3F-36D77DAD4228}"/>
+                <a16:creationId xmlns:a16="http://schemas.microsoft.com/office/drawing/2014/main" id="{9CA552B6-75DC-A527-50F3-351477334058}"/>
               </a:ext>
             </a:extLst>
           </p:cNvPr>
@@ -4670,25 +4861,64 @@
         </p:nvSpPr>
         <p:spPr/>
         <p:txBody>
-          <a:bodyPr/>
+          <a:bodyPr>
+            <a:normAutofit/>
+          </a:bodyPr>
           <a:lstStyle/>
           <a:p>
             <a:r>
-              <a:rPr lang="nl-BE" dirty="0"/>
-              <a:t>G</a:t>
-            </a:r>
-            <a:r>
-              <a:rPr lang="en-BE" dirty="0" err="1"/>
-              <a:t>oroutines</a:t>
+              <a:rPr lang="en-BE" b="1" dirty="0"/>
+              <a:t>Cloud &amp; Network Services: </a:t>
+            </a:r>
+            <a:r>
+              <a:rPr lang="en-BE" dirty="0"/>
+              <a:t>Google Cloud &amp; Dropbox</a:t>
+            </a:r>
+          </a:p>
+          <a:p>
+            <a:r>
+              <a:rPr lang="en-BE" b="1" dirty="0" err="1"/>
+              <a:t>CLIs</a:t>
+            </a:r>
+            <a:r>
+              <a:rPr lang="en-BE" b="1" dirty="0"/>
+              <a:t>: </a:t>
+            </a:r>
+            <a:r>
+              <a:rPr lang="en-BE" dirty="0"/>
+              <a:t>GitHub</a:t>
+            </a:r>
+          </a:p>
+          <a:p>
+            <a:r>
+              <a:rPr lang="en-BE" b="1" dirty="0" err="1"/>
+              <a:t>WebDev</a:t>
+            </a:r>
+            <a:r>
+              <a:rPr lang="en-BE" dirty="0"/>
+              <a:t>: Caddy v2 &amp; Cloudflare</a:t>
+            </a:r>
+          </a:p>
+          <a:p>
+            <a:r>
+              <a:rPr lang="en-BE" b="1" dirty="0"/>
+              <a:t>DevOps&amp; Site Reliability Engineering</a:t>
+            </a:r>
+            <a:r>
+              <a:rPr lang="en-BE" dirty="0"/>
+              <a:t>: Docker &amp; Netflix</a:t>
             </a:r>
             <a:endParaRPr lang="nl-BE" dirty="0"/>
+          </a:p>
+          <a:p>
+            <a:endParaRPr lang="en-BE" dirty="0"/>
           </a:p>
         </p:txBody>
       </p:sp>
     </p:spTree>
     <p:extLst>
       <p:ext uri="{BB962C8B-B14F-4D97-AF65-F5344CB8AC3E}">
-        <p14:creationId xmlns:p14="http://schemas.microsoft.com/office/powerpoint/2010/main" val="2257578515"/>
+        <p14:creationId xmlns:p14="http://schemas.microsoft.com/office/powerpoint/2010/main" val="3555061024"/>
       </p:ext>
     </p:extLst>
   </p:cSld>
@@ -4709,7 +4939,7 @@
         <p:cNvPr id="1" name="">
           <a:extLst>
             <a:ext uri="{FF2B5EF4-FFF2-40B4-BE49-F238E27FC236}">
-              <a16:creationId xmlns:a16="http://schemas.microsoft.com/office/drawing/2014/main" id="{2A552754-8DDF-777E-7873-C5261FA375C9}"/>
+              <a16:creationId xmlns:a16="http://schemas.microsoft.com/office/drawing/2014/main" id="{877CB823-F7AF-097F-32A7-DFDD0077267A}"/>
             </a:ext>
           </a:extLst>
         </p:cNvPr>
@@ -4726,10 +4956,10 @@
       </p:grpSpPr>
       <p:pic>
         <p:nvPicPr>
-          <p:cNvPr id="4" name="Tijdelijke aanduiding voor inhoud 4">
-            <a:extLst>
-              <a:ext uri="{FF2B5EF4-FFF2-40B4-BE49-F238E27FC236}">
-                <a16:creationId xmlns:a16="http://schemas.microsoft.com/office/drawing/2014/main" id="{79A3B379-6F3A-ECB7-B5A9-D17DBF1F2132}"/>
+          <p:cNvPr id="4" name="Tijdelijke aanduiding voor inhoud 5">
+            <a:extLst>
+              <a:ext uri="{FF2B5EF4-FFF2-40B4-BE49-F238E27FC236}">
+                <a16:creationId xmlns:a16="http://schemas.microsoft.com/office/drawing/2014/main" id="{F4A593FA-04B8-2A22-4DD8-7C90E0BD892D}"/>
               </a:ext>
             </a:extLst>
           </p:cNvPr>
@@ -4765,7 +4995,7 @@
           <p:cNvPr id="2" name="Titel 1">
             <a:extLst>
               <a:ext uri="{FF2B5EF4-FFF2-40B4-BE49-F238E27FC236}">
-                <a16:creationId xmlns:a16="http://schemas.microsoft.com/office/drawing/2014/main" id="{95235EA8-30F6-4882-E126-E45CA61F5BCA}"/>
+                <a16:creationId xmlns:a16="http://schemas.microsoft.com/office/drawing/2014/main" id="{8C8976AB-9EC0-8F05-42D9-76A384CBD16D}"/>
               </a:ext>
             </a:extLst>
           </p:cNvPr>
@@ -4782,10 +5012,18 @@
           <a:lstStyle/>
           <a:p>
             <a:r>
-              <a:rPr lang="en-BE" b="1" dirty="0"/>
-              <a:t>Generics</a:t>
-            </a:r>
-            <a:endParaRPr lang="nl-BE" b="1" dirty="0"/>
+              <a:rPr lang="en-BE" b="1" dirty="0" err="1">
+                <a:solidFill>
+                  <a:schemeClr val="bg1"/>
+                </a:solidFill>
+              </a:rPr>
+              <a:t>Bedenkingen</a:t>
+            </a:r>
+            <a:endParaRPr lang="nl-BE" b="1" dirty="0">
+              <a:solidFill>
+                <a:schemeClr val="bg1"/>
+              </a:solidFill>
+            </a:endParaRPr>
           </a:p>
         </p:txBody>
       </p:sp>
@@ -4794,7 +5032,7 @@
           <p:cNvPr id="3" name="Tijdelijke aanduiding voor inhoud 2">
             <a:extLst>
               <a:ext uri="{FF2B5EF4-FFF2-40B4-BE49-F238E27FC236}">
-                <a16:creationId xmlns:a16="http://schemas.microsoft.com/office/drawing/2014/main" id="{E4E65985-DE62-FE3B-DA39-3932953AFFF4}"/>
+                <a16:creationId xmlns:a16="http://schemas.microsoft.com/office/drawing/2014/main" id="{531241B1-010C-343B-5E53-1E52D4F2C545}"/>
               </a:ext>
             </a:extLst>
           </p:cNvPr>
@@ -4812,8 +5050,50 @@
           <a:p>
             <a:r>
               <a:rPr lang="en-BE" dirty="0"/>
-              <a:t>Generics</a:t>
-            </a:r>
+              <a:t>MEAN/MERN stack (2009)</a:t>
+            </a:r>
+          </a:p>
+          <a:p>
+            <a:r>
+              <a:rPr lang="nl-BE" dirty="0"/>
+              <a:t>L</a:t>
+            </a:r>
+            <a:r>
+              <a:rPr lang="en-BE" dirty="0"/>
+              <a:t>AMP stack (1995)</a:t>
+            </a:r>
+          </a:p>
+          <a:p>
+            <a:r>
+              <a:rPr lang="en-BE" dirty="0"/>
+              <a:t>ASP.NET stack (2002)</a:t>
+            </a:r>
+          </a:p>
+          <a:p>
+            <a:r>
+              <a:rPr lang="en-BE" dirty="0"/>
+              <a:t>Java stack (1996)</a:t>
+            </a:r>
+          </a:p>
+          <a:p>
+            <a:r>
+              <a:rPr lang="en-BE" dirty="0" err="1"/>
+              <a:t>Waarom</a:t>
+            </a:r>
+            <a:r>
+              <a:rPr lang="en-BE" dirty="0"/>
+              <a:t> Go stack </a:t>
+            </a:r>
+            <a:r>
+              <a:rPr lang="en-BE" dirty="0" err="1"/>
+              <a:t>niet</a:t>
+            </a:r>
+            <a:r>
+              <a:rPr lang="en-BE" dirty="0"/>
+              <a:t> zo popular? (2009)</a:t>
+            </a:r>
+          </a:p>
+          <a:p>
             <a:endParaRPr lang="nl-BE" dirty="0"/>
           </a:p>
         </p:txBody>
@@ -4821,7 +5101,7 @@
     </p:spTree>
     <p:extLst>
       <p:ext uri="{BB962C8B-B14F-4D97-AF65-F5344CB8AC3E}">
-        <p14:creationId xmlns:p14="http://schemas.microsoft.com/office/powerpoint/2010/main" val="343654416"/>
+        <p14:creationId xmlns:p14="http://schemas.microsoft.com/office/powerpoint/2010/main" val="863856065"/>
       </p:ext>
     </p:extLst>
   </p:cSld>
@@ -4853,10 +5133,10 @@
       </p:grpSpPr>
       <p:pic>
         <p:nvPicPr>
-          <p:cNvPr id="9" name="Tijdelijke aanduiding voor inhoud 4">
-            <a:extLst>
-              <a:ext uri="{FF2B5EF4-FFF2-40B4-BE49-F238E27FC236}">
-                <a16:creationId xmlns:a16="http://schemas.microsoft.com/office/drawing/2014/main" id="{1C7E6E36-6006-91F1-BA9C-C8237C5CBD51}"/>
+          <p:cNvPr id="4" name="Tijdelijke aanduiding voor inhoud 5">
+            <a:extLst>
+              <a:ext uri="{FF2B5EF4-FFF2-40B4-BE49-F238E27FC236}">
+                <a16:creationId xmlns:a16="http://schemas.microsoft.com/office/drawing/2014/main" id="{BDE99F39-D71C-4D8C-1613-099FF365501A}"/>
               </a:ext>
             </a:extLst>
           </p:cNvPr>
@@ -4892,427 +5172,6 @@
           <p:cNvPr id="2" name="Titel 1">
             <a:extLst>
               <a:ext uri="{FF2B5EF4-FFF2-40B4-BE49-F238E27FC236}">
-                <a16:creationId xmlns:a16="http://schemas.microsoft.com/office/drawing/2014/main" id="{04F64726-4323-EDAC-65A6-ACFD46BC8BCE}"/>
-              </a:ext>
-            </a:extLst>
-          </p:cNvPr>
-          <p:cNvSpPr>
-            <a:spLocks noGrp="1"/>
-          </p:cNvSpPr>
-          <p:nvPr>
-            <p:ph type="title"/>
-          </p:nvPr>
-        </p:nvSpPr>
-        <p:spPr/>
-        <p:txBody>
-          <a:bodyPr/>
-          <a:lstStyle/>
-          <a:p>
-            <a:r>
-              <a:rPr lang="en-BE" b="1" dirty="0" err="1"/>
-              <a:t>Voordelen</a:t>
-            </a:r>
-            <a:endParaRPr lang="nl-BE" b="1" dirty="0"/>
-          </a:p>
-        </p:txBody>
-      </p:sp>
-      <p:sp>
-        <p:nvSpPr>
-          <p:cNvPr id="3" name="Tijdelijke aanduiding voor inhoud 2">
-            <a:extLst>
-              <a:ext uri="{FF2B5EF4-FFF2-40B4-BE49-F238E27FC236}">
-                <a16:creationId xmlns:a16="http://schemas.microsoft.com/office/drawing/2014/main" id="{3A8277BD-8970-783B-1468-79AEFA14CEBE}"/>
-              </a:ext>
-            </a:extLst>
-          </p:cNvPr>
-          <p:cNvSpPr>
-            <a:spLocks noGrp="1"/>
-          </p:cNvSpPr>
-          <p:nvPr>
-            <p:ph idx="1"/>
-          </p:nvPr>
-        </p:nvSpPr>
-        <p:spPr/>
-        <p:txBody>
-          <a:bodyPr/>
-          <a:lstStyle/>
-          <a:p>
-            <a:r>
-              <a:rPr lang="en-BE" b="1" dirty="0" err="1"/>
-              <a:t>Simpel</a:t>
-            </a:r>
-            <a:r>
-              <a:rPr lang="en-BE" b="1" dirty="0"/>
-              <a:t> om </a:t>
-            </a:r>
-            <a:r>
-              <a:rPr lang="en-BE" b="1" dirty="0" err="1"/>
-              <a:t>te</a:t>
-            </a:r>
-            <a:r>
-              <a:rPr lang="en-BE" b="1" dirty="0"/>
-              <a:t> </a:t>
-            </a:r>
-            <a:r>
-              <a:rPr lang="en-BE" b="1" dirty="0" err="1"/>
-              <a:t>leren</a:t>
-            </a:r>
-            <a:r>
-              <a:rPr lang="en-BE" b="1" dirty="0"/>
-              <a:t>:</a:t>
-            </a:r>
-            <a:r>
-              <a:rPr lang="en-BE" dirty="0"/>
-              <a:t> Syntax &amp; library</a:t>
-            </a:r>
-          </a:p>
-          <a:p>
-            <a:r>
-              <a:rPr lang="nl-NL" b="1" dirty="0"/>
-              <a:t>Performant</a:t>
-            </a:r>
-            <a:r>
-              <a:rPr lang="nl-NL" dirty="0"/>
-              <a:t>: </a:t>
-            </a:r>
-            <a:r>
-              <a:rPr lang="en-BE" dirty="0" err="1"/>
-              <a:t>Snel</a:t>
-            </a:r>
-            <a:r>
-              <a:rPr lang="nl-NL" dirty="0"/>
-              <a:t>!</a:t>
-            </a:r>
-            <a:endParaRPr lang="en-BE" dirty="0"/>
-          </a:p>
-          <a:p>
-            <a:r>
-              <a:rPr lang="en-BE" b="1" dirty="0" err="1"/>
-              <a:t>Schaalbaar</a:t>
-            </a:r>
-            <a:r>
-              <a:rPr lang="nl-NL" dirty="0"/>
-              <a:t>: </a:t>
-            </a:r>
-            <a:r>
-              <a:rPr lang="nl-NL" dirty="0" err="1"/>
-              <a:t>Goroutines</a:t>
-            </a:r>
-            <a:endParaRPr lang="en-BE" dirty="0"/>
-          </a:p>
-          <a:p>
-            <a:r>
-              <a:rPr lang="en-BE" b="1" dirty="0"/>
-              <a:t>Compiler: </a:t>
-            </a:r>
-            <a:r>
-              <a:rPr lang="en-BE" dirty="0"/>
-              <a:t>Go build</a:t>
-            </a:r>
-            <a:endParaRPr lang="en-BE" b="1" dirty="0"/>
-          </a:p>
-        </p:txBody>
-      </p:sp>
-    </p:spTree>
-    <p:extLst>
-      <p:ext uri="{BB962C8B-B14F-4D97-AF65-F5344CB8AC3E}">
-        <p14:creationId xmlns:p14="http://schemas.microsoft.com/office/powerpoint/2010/main" val="1023531681"/>
-      </p:ext>
-    </p:extLst>
-  </p:cSld>
-  <p:clrMapOvr>
-    <a:masterClrMapping/>
-  </p:clrMapOvr>
-  <p:transition spd="slow">
-    <p:push dir="u"/>
-  </p:transition>
-</p:sld>
-</file>
-
-<file path=ppt/slides/slide17.xml><?xml version="1.0" encoding="utf-8"?>
-<p:sld xmlns:a="http://schemas.openxmlformats.org/drawingml/2006/main" xmlns:r="http://schemas.openxmlformats.org/officeDocument/2006/relationships" xmlns:p="http://schemas.openxmlformats.org/presentationml/2006/main">
-  <p:cSld>
-    <p:spTree>
-      <p:nvGrpSpPr>
-        <p:cNvPr id="1" name=""/>
-        <p:cNvGrpSpPr/>
-        <p:nvPr/>
-      </p:nvGrpSpPr>
-      <p:grpSpPr>
-        <a:xfrm>
-          <a:off x="0" y="0"/>
-          <a:ext cx="0" cy="0"/>
-          <a:chOff x="0" y="0"/>
-          <a:chExt cx="0" cy="0"/>
-        </a:xfrm>
-      </p:grpSpPr>
-      <p:pic>
-        <p:nvPicPr>
-          <p:cNvPr id="4" name="Tijdelijke aanduiding voor inhoud 5">
-            <a:extLst>
-              <a:ext uri="{FF2B5EF4-FFF2-40B4-BE49-F238E27FC236}">
-                <a16:creationId xmlns:a16="http://schemas.microsoft.com/office/drawing/2014/main" id="{B01AF4B3-7A51-D5BD-2958-20827526D9CD}"/>
-              </a:ext>
-            </a:extLst>
-          </p:cNvPr>
-          <p:cNvPicPr>
-            <a:picLocks noChangeAspect="1"/>
-          </p:cNvPicPr>
-          <p:nvPr/>
-        </p:nvPicPr>
-        <p:blipFill>
-          <a:blip r:embed="rId2">
-            <a:extLst>
-              <a:ext uri="{96DAC541-7B7A-43D3-8B79-37D633B846F1}">
-                <asvg:svgBlip xmlns:asvg="http://schemas.microsoft.com/office/drawing/2016/SVG/main" r:embed="rId3"/>
-              </a:ext>
-            </a:extLst>
-          </a:blip>
-          <a:stretch>
-            <a:fillRect/>
-          </a:stretch>
-        </p:blipFill>
-        <p:spPr>
-          <a:xfrm>
-            <a:off x="0" y="0"/>
-            <a:ext cx="12192000" cy="6858000"/>
-          </a:xfrm>
-          <a:prstGeom prst="rect">
-            <a:avLst/>
-          </a:prstGeom>
-        </p:spPr>
-      </p:pic>
-      <p:sp>
-        <p:nvSpPr>
-          <p:cNvPr id="2" name="Titel 1">
-            <a:extLst>
-              <a:ext uri="{FF2B5EF4-FFF2-40B4-BE49-F238E27FC236}">
-                <a16:creationId xmlns:a16="http://schemas.microsoft.com/office/drawing/2014/main" id="{587EE10E-4368-F8F8-500A-E68F96D1FDBB}"/>
-              </a:ext>
-            </a:extLst>
-          </p:cNvPr>
-          <p:cNvSpPr>
-            <a:spLocks noGrp="1"/>
-          </p:cNvSpPr>
-          <p:nvPr>
-            <p:ph type="title"/>
-          </p:nvPr>
-        </p:nvSpPr>
-        <p:spPr/>
-        <p:txBody>
-          <a:bodyPr/>
-          <a:lstStyle/>
-          <a:p>
-            <a:r>
-              <a:rPr lang="en-BE" b="1" dirty="0" err="1">
-                <a:solidFill>
-                  <a:schemeClr val="bg1"/>
-                </a:solidFill>
-              </a:rPr>
-              <a:t>Nadelen</a:t>
-            </a:r>
-            <a:endParaRPr lang="nl-BE" b="1" dirty="0">
-              <a:solidFill>
-                <a:schemeClr val="bg1"/>
-              </a:solidFill>
-            </a:endParaRPr>
-          </a:p>
-        </p:txBody>
-      </p:sp>
-      <p:sp>
-        <p:nvSpPr>
-          <p:cNvPr id="3" name="Tijdelijke aanduiding voor inhoud 2">
-            <a:extLst>
-              <a:ext uri="{FF2B5EF4-FFF2-40B4-BE49-F238E27FC236}">
-                <a16:creationId xmlns:a16="http://schemas.microsoft.com/office/drawing/2014/main" id="{0F0798DB-3DB3-D096-156A-C55B5CDB48FA}"/>
-              </a:ext>
-            </a:extLst>
-          </p:cNvPr>
-          <p:cNvSpPr>
-            <a:spLocks noGrp="1"/>
-          </p:cNvSpPr>
-          <p:nvPr>
-            <p:ph idx="1"/>
-          </p:nvPr>
-        </p:nvSpPr>
-        <p:spPr/>
-        <p:txBody>
-          <a:bodyPr/>
-          <a:lstStyle/>
-          <a:p>
-            <a:r>
-              <a:rPr lang="nl-NL" b="1" dirty="0"/>
-              <a:t>Beperkt</a:t>
-            </a:r>
-            <a:r>
-              <a:rPr lang="en-BE" b="1" dirty="0"/>
-              <a:t>e </a:t>
-            </a:r>
-            <a:r>
-              <a:rPr lang="en-BE" b="1" dirty="0" err="1"/>
-              <a:t>functionaliteit</a:t>
-            </a:r>
-            <a:r>
-              <a:rPr lang="en-BE" b="1" dirty="0"/>
-              <a:t>: </a:t>
-            </a:r>
-            <a:r>
-              <a:rPr lang="en-BE" dirty="0" err="1"/>
-              <a:t>Amper</a:t>
-            </a:r>
-            <a:r>
-              <a:rPr lang="en-BE" dirty="0"/>
-              <a:t> </a:t>
-            </a:r>
-            <a:r>
-              <a:rPr lang="nl-NL" dirty="0"/>
-              <a:t>GUI-ontwikkeling</a:t>
-            </a:r>
-            <a:endParaRPr lang="en-BE" dirty="0"/>
-          </a:p>
-          <a:p>
-            <a:r>
-              <a:rPr lang="nl-NL" b="1" dirty="0"/>
-              <a:t>Geen </a:t>
-            </a:r>
-            <a:r>
-              <a:rPr lang="nl-NL" b="1" dirty="0" err="1"/>
-              <a:t>generics</a:t>
-            </a:r>
-            <a:r>
-              <a:rPr lang="nl-NL" b="1" dirty="0"/>
-              <a:t> (tot 1.18): </a:t>
-            </a:r>
-            <a:r>
-              <a:rPr lang="en-BE" dirty="0"/>
-              <a:t>G</a:t>
-            </a:r>
-            <a:r>
-              <a:rPr lang="nl-NL" dirty="0" err="1"/>
-              <a:t>enerieke</a:t>
-            </a:r>
-            <a:r>
-              <a:rPr lang="nl-NL" dirty="0"/>
-              <a:t> </a:t>
-            </a:r>
-            <a:r>
-              <a:rPr lang="nl-NL" dirty="0" err="1"/>
-              <a:t>datastructur</a:t>
-            </a:r>
-            <a:r>
-              <a:rPr lang="en-BE" dirty="0"/>
-              <a:t>es</a:t>
-            </a:r>
-          </a:p>
-          <a:p>
-            <a:r>
-              <a:rPr lang="nl-NL" b="1" dirty="0"/>
-              <a:t>Minder </a:t>
-            </a:r>
-            <a:r>
-              <a:rPr lang="en-BE" b="1" dirty="0" err="1"/>
-              <a:t>robuust</a:t>
-            </a:r>
-            <a:r>
-              <a:rPr lang="nl-NL" b="1" dirty="0"/>
-              <a:t>: </a:t>
-            </a:r>
-            <a:r>
-              <a:rPr lang="nl-NL" dirty="0"/>
-              <a:t>Java </a:t>
-            </a:r>
-            <a:r>
-              <a:rPr lang="en-BE" dirty="0"/>
-              <a:t>/ </a:t>
-            </a:r>
-            <a:r>
-              <a:rPr lang="nl-NL" dirty="0"/>
-              <a:t>Python</a:t>
-            </a:r>
-            <a:r>
-              <a:rPr lang="en-BE" dirty="0"/>
-              <a:t> / Node</a:t>
-            </a:r>
-          </a:p>
-          <a:p>
-            <a:endParaRPr lang="nl-BE" dirty="0"/>
-          </a:p>
-        </p:txBody>
-      </p:sp>
-    </p:spTree>
-    <p:extLst>
-      <p:ext uri="{BB962C8B-B14F-4D97-AF65-F5344CB8AC3E}">
-        <p14:creationId xmlns:p14="http://schemas.microsoft.com/office/powerpoint/2010/main" val="1632776026"/>
-      </p:ext>
-    </p:extLst>
-  </p:cSld>
-  <p:clrMapOvr>
-    <a:masterClrMapping/>
-  </p:clrMapOvr>
-  <p:transition spd="slow">
-    <p:push dir="u"/>
-  </p:transition>
-</p:sld>
-</file>
-
-<file path=ppt/slides/slide18.xml><?xml version="1.0" encoding="utf-8"?>
-<p:sld xmlns:a="http://schemas.openxmlformats.org/drawingml/2006/main" xmlns:r="http://schemas.openxmlformats.org/officeDocument/2006/relationships" xmlns:p="http://schemas.openxmlformats.org/presentationml/2006/main">
-  <p:cSld>
-    <p:spTree>
-      <p:nvGrpSpPr>
-        <p:cNvPr id="1" name=""/>
-        <p:cNvGrpSpPr/>
-        <p:nvPr/>
-      </p:nvGrpSpPr>
-      <p:grpSpPr>
-        <a:xfrm>
-          <a:off x="0" y="0"/>
-          <a:ext cx="0" cy="0"/>
-          <a:chOff x="0" y="0"/>
-          <a:chExt cx="0" cy="0"/>
-        </a:xfrm>
-      </p:grpSpPr>
-      <p:pic>
-        <p:nvPicPr>
-          <p:cNvPr id="4" name="Tijdelijke aanduiding voor inhoud 5">
-            <a:extLst>
-              <a:ext uri="{FF2B5EF4-FFF2-40B4-BE49-F238E27FC236}">
-                <a16:creationId xmlns:a16="http://schemas.microsoft.com/office/drawing/2014/main" id="{BDE99F39-D71C-4D8C-1613-099FF365501A}"/>
-              </a:ext>
-            </a:extLst>
-          </p:cNvPr>
-          <p:cNvPicPr>
-            <a:picLocks noChangeAspect="1"/>
-          </p:cNvPicPr>
-          <p:nvPr/>
-        </p:nvPicPr>
-        <p:blipFill>
-          <a:blip r:embed="rId2">
-            <a:extLst>
-              <a:ext uri="{96DAC541-7B7A-43D3-8B79-37D633B846F1}">
-                <asvg:svgBlip xmlns:asvg="http://schemas.microsoft.com/office/drawing/2016/SVG/main" r:embed="rId3"/>
-              </a:ext>
-            </a:extLst>
-          </a:blip>
-          <a:stretch>
-            <a:fillRect/>
-          </a:stretch>
-        </p:blipFill>
-        <p:spPr>
-          <a:xfrm>
-            <a:off x="0" y="0"/>
-            <a:ext cx="12192000" cy="6858000"/>
-          </a:xfrm>
-          <a:prstGeom prst="rect">
-            <a:avLst/>
-          </a:prstGeom>
-        </p:spPr>
-      </p:pic>
-      <p:sp>
-        <p:nvSpPr>
-          <p:cNvPr id="2" name="Titel 1">
-            <a:extLst>
-              <a:ext uri="{FF2B5EF4-FFF2-40B4-BE49-F238E27FC236}">
                 <a16:creationId xmlns:a16="http://schemas.microsoft.com/office/drawing/2014/main" id="{CA6604D0-9D46-C7E0-2710-79AD0E93F8FB}"/>
               </a:ext>
             </a:extLst>
@@ -5456,6 +5315,21 @@
               <a:rPr lang="en-BE" dirty="0"/>
               <a:t> frontend/desktop GUI-apps</a:t>
             </a:r>
+          </a:p>
+          <a:p>
+            <a:r>
+              <a:rPr lang="en-BE" dirty="0" err="1"/>
+              <a:t>Handig</a:t>
+            </a:r>
+            <a:r>
+              <a:rPr lang="en-BE" dirty="0"/>
+              <a:t> </a:t>
+            </a:r>
+            <a:r>
+              <a:rPr lang="en-BE" dirty="0" err="1"/>
+              <a:t>compilen</a:t>
+            </a:r>
+            <a:endParaRPr lang="en-BE" dirty="0"/>
           </a:p>
           <a:p>
             <a:endParaRPr lang="nl-BE" dirty="0"/>
@@ -5478,7 +5352,7 @@
 </p:sld>
 </file>
 
-<file path=ppt/slides/slide19.xml><?xml version="1.0" encoding="utf-8"?>
+<file path=ppt/slides/slide17.xml><?xml version="1.0" encoding="utf-8"?>
 <p:sld xmlns:a="http://schemas.openxmlformats.org/drawingml/2006/main" xmlns:r="http://schemas.openxmlformats.org/officeDocument/2006/relationships" xmlns:p="http://schemas.openxmlformats.org/presentationml/2006/main">
   <p:cSld>
     <p:spTree>
@@ -8002,8 +7876,22 @@
           <a:lstStyle/>
           <a:p>
             <a:r>
-              <a:rPr lang="en-BE"/>
+              <a:rPr lang="en-BE" dirty="0"/>
               <a:t>Demo</a:t>
+            </a:r>
+          </a:p>
+          <a:p>
+            <a:r>
+              <a:rPr lang="en-BE" dirty="0"/>
+              <a:t>~ </a:t>
+            </a:r>
+            <a:r>
+              <a:rPr lang="en-BE" dirty="0" err="1"/>
+              <a:t>ExpressJS</a:t>
+            </a:r>
+            <a:r>
+              <a:rPr lang="en-BE" dirty="0"/>
+              <a:t> routers</a:t>
             </a:r>
             <a:endParaRPr lang="nl-BE" dirty="0"/>
           </a:p>

--- a/Golang.pptx
+++ b/Golang.pptx
@@ -4075,11 +4075,37 @@
             </a:r>
             <a:r>
               <a:rPr lang="en-BE" dirty="0"/>
-              <a:t> met </a:t>
-            </a:r>
+              <a:t> met NodeJS</a:t>
+            </a:r>
+          </a:p>
+          <a:p>
+            <a:pPr lvl="1"/>
+            <a:r>
+              <a:rPr lang="en-BE" dirty="0"/>
+              <a:t>Counter</a:t>
+            </a:r>
+          </a:p>
+          <a:p>
+            <a:pPr lvl="1"/>
             <a:r>
               <a:rPr lang="en-BE" dirty="0" err="1"/>
-              <a:t>nodejs</a:t>
+              <a:t>Fibonnaci</a:t>
+            </a:r>
+            <a:endParaRPr lang="en-BE" dirty="0"/>
+          </a:p>
+          <a:p>
+            <a:pPr lvl="1"/>
+            <a:r>
+              <a:rPr lang="en-BE" dirty="0" err="1"/>
+              <a:t>QuickSort</a:t>
+            </a:r>
+            <a:endParaRPr lang="en-BE" dirty="0"/>
+          </a:p>
+          <a:p>
+            <a:pPr lvl="1"/>
+            <a:r>
+              <a:rPr lang="en-BE" dirty="0" err="1"/>
+              <a:t>BubbleSort</a:t>
             </a:r>
             <a:endParaRPr lang="nl-BE" dirty="0"/>
           </a:p>
@@ -6724,14 +6750,39 @@
           </a:p>
           <a:p>
             <a:r>
+              <a:rPr lang="nl-NL" dirty="0"/>
+              <a:t>Samensmelting</a:t>
+            </a:r>
+            <a:r>
+              <a:rPr lang="en-BE" dirty="0"/>
+              <a:t> van </a:t>
+            </a:r>
+            <a:r>
+              <a:rPr lang="en-BE" dirty="0" err="1"/>
+              <a:t>elementen</a:t>
+            </a:r>
+            <a:r>
+              <a:rPr lang="en-BE" dirty="0"/>
+              <a:t> van </a:t>
+            </a:r>
+            <a:r>
+              <a:rPr lang="en-BE" dirty="0" err="1"/>
+              <a:t>andere</a:t>
+            </a:r>
+            <a:r>
+              <a:rPr lang="en-BE" dirty="0"/>
+              <a:t> </a:t>
+            </a:r>
+            <a:r>
+              <a:rPr lang="en-BE" dirty="0" err="1"/>
+              <a:t>programmeertalen</a:t>
+            </a:r>
+            <a:endParaRPr lang="en-BE" dirty="0"/>
+          </a:p>
+          <a:p>
+            <a:r>
               <a:rPr lang="en-BE" dirty="0"/>
               <a:t>Statically/structurally typed (type checks)</a:t>
-            </a:r>
-          </a:p>
-          <a:p>
-            <a:r>
-              <a:rPr lang="en-BE" dirty="0"/>
-              <a:t>Syntax ~ C</a:t>
             </a:r>
           </a:p>
           <a:p>

--- a/Golang.pptx
+++ b/Golang.pptx
@@ -3951,6 +3951,9 @@
   <p:clrMapOvr>
     <a:masterClrMapping/>
   </p:clrMapOvr>
+  <p:transition spd="slow">
+    <p:push dir="u"/>
+  </p:transition>
 </p:sld>
 </file>
 
@@ -4088,10 +4091,9 @@
           <a:p>
             <a:pPr lvl="1"/>
             <a:r>
-              <a:rPr lang="en-BE" dirty="0" err="1"/>
-              <a:t>Fibonnaci</a:t>
-            </a:r>
-            <a:endParaRPr lang="en-BE" dirty="0"/>
+              <a:rPr lang="en-BE" dirty="0"/>
+              <a:t>Fibonacci</a:t>
+            </a:r>
           </a:p>
           <a:p>
             <a:pPr lvl="1"/>
@@ -4111,6 +4113,66 @@
           </a:p>
         </p:txBody>
       </p:sp>
+      <p:pic>
+        <p:nvPicPr>
+          <p:cNvPr id="6" name="Afbeelding 5">
+            <a:extLst>
+              <a:ext uri="{FF2B5EF4-FFF2-40B4-BE49-F238E27FC236}">
+                <a16:creationId xmlns:a16="http://schemas.microsoft.com/office/drawing/2014/main" id="{2366E251-6B77-9040-544C-EED679496600}"/>
+              </a:ext>
+            </a:extLst>
+          </p:cNvPr>
+          <p:cNvPicPr>
+            <a:picLocks noChangeAspect="1"/>
+          </p:cNvPicPr>
+          <p:nvPr/>
+        </p:nvPicPr>
+        <p:blipFill>
+          <a:blip r:embed="rId4"/>
+          <a:stretch>
+            <a:fillRect/>
+          </a:stretch>
+        </p:blipFill>
+        <p:spPr>
+          <a:xfrm>
+            <a:off x="3631299" y="2536420"/>
+            <a:ext cx="8154972" cy="1632458"/>
+          </a:xfrm>
+          <a:prstGeom prst="rect">
+            <a:avLst/>
+          </a:prstGeom>
+        </p:spPr>
+      </p:pic>
+      <p:pic>
+        <p:nvPicPr>
+          <p:cNvPr id="8" name="Afbeelding 7">
+            <a:extLst>
+              <a:ext uri="{FF2B5EF4-FFF2-40B4-BE49-F238E27FC236}">
+                <a16:creationId xmlns:a16="http://schemas.microsoft.com/office/drawing/2014/main" id="{2B4E0A97-5B16-8F96-931C-6CB27F3D7EE6}"/>
+              </a:ext>
+            </a:extLst>
+          </p:cNvPr>
+          <p:cNvPicPr>
+            <a:picLocks noChangeAspect="1"/>
+          </p:cNvPicPr>
+          <p:nvPr/>
+        </p:nvPicPr>
+        <p:blipFill>
+          <a:blip r:embed="rId5"/>
+          <a:stretch>
+            <a:fillRect/>
+          </a:stretch>
+        </p:blipFill>
+        <p:spPr>
+          <a:xfrm>
+            <a:off x="3631299" y="4303815"/>
+            <a:ext cx="8154972" cy="1668890"/>
+          </a:xfrm>
+          <a:prstGeom prst="rect">
+            <a:avLst/>
+          </a:prstGeom>
+        </p:spPr>
+      </p:pic>
     </p:spTree>
     <p:extLst>
       <p:ext uri="{BB962C8B-B14F-4D97-AF65-F5344CB8AC3E}">
@@ -4385,10 +4447,10 @@
       </p:grpSpPr>
       <p:pic>
         <p:nvPicPr>
-          <p:cNvPr id="9" name="Tijdelijke aanduiding voor inhoud 4">
-            <a:extLst>
-              <a:ext uri="{FF2B5EF4-FFF2-40B4-BE49-F238E27FC236}">
-                <a16:creationId xmlns:a16="http://schemas.microsoft.com/office/drawing/2014/main" id="{1C7E6E36-6006-91F1-BA9C-C8237C5CBD51}"/>
+          <p:cNvPr id="4" name="Tijdelijke aanduiding voor inhoud 5">
+            <a:extLst>
+              <a:ext uri="{FF2B5EF4-FFF2-40B4-BE49-F238E27FC236}">
+                <a16:creationId xmlns:a16="http://schemas.microsoft.com/office/drawing/2014/main" id="{B01AF4B3-7A51-D5BD-2958-20827526D9CD}"/>
               </a:ext>
             </a:extLst>
           </p:cNvPr>
@@ -4441,10 +4503,18 @@
           <a:lstStyle/>
           <a:p>
             <a:r>
-              <a:rPr lang="en-BE" b="1" dirty="0" err="1"/>
+              <a:rPr lang="en-BE" b="1" dirty="0" err="1">
+                <a:solidFill>
+                  <a:schemeClr val="bg1"/>
+                </a:solidFill>
+              </a:rPr>
               <a:t>Voordelen</a:t>
             </a:r>
-            <a:endParaRPr lang="nl-BE" b="1" dirty="0"/>
+            <a:endParaRPr lang="nl-BE" b="1" dirty="0">
+              <a:solidFill>
+                <a:schemeClr val="bg1"/>
+              </a:solidFill>
+            </a:endParaRPr>
           </a:p>
         </p:txBody>
       </p:sp>
@@ -4545,6 +4615,42 @@
           </a:p>
         </p:txBody>
       </p:sp>
+      <p:pic>
+        <p:nvPicPr>
+          <p:cNvPr id="10" name="Afbeelding 9" descr="Afbeelding met clipart, tekenfilm&#10;&#10;Automatisch gegenereerde beschrijving">
+            <a:extLst>
+              <a:ext uri="{FF2B5EF4-FFF2-40B4-BE49-F238E27FC236}">
+                <a16:creationId xmlns:a16="http://schemas.microsoft.com/office/drawing/2014/main" id="{91CF4FA6-C71E-DE07-A228-A609015C3A56}"/>
+              </a:ext>
+            </a:extLst>
+          </p:cNvPr>
+          <p:cNvPicPr>
+            <a:picLocks noChangeAspect="1"/>
+          </p:cNvPicPr>
+          <p:nvPr/>
+        </p:nvPicPr>
+        <p:blipFill>
+          <a:blip r:embed="rId4">
+            <a:extLst>
+              <a:ext uri="{28A0092B-C50C-407E-A947-70E740481C1C}">
+                <a14:useLocalDpi xmlns:a14="http://schemas.microsoft.com/office/drawing/2010/main" val="0"/>
+              </a:ext>
+            </a:extLst>
+          </a:blip>
+          <a:stretch>
+            <a:fillRect/>
+          </a:stretch>
+        </p:blipFill>
+        <p:spPr>
+          <a:xfrm>
+            <a:off x="6096000" y="2553542"/>
+            <a:ext cx="4077269" cy="3343742"/>
+          </a:xfrm>
+          <a:prstGeom prst="rect">
+            <a:avLst/>
+          </a:prstGeom>
+        </p:spPr>
+      </p:pic>
     </p:spTree>
     <p:extLst>
       <p:ext uri="{BB962C8B-B14F-4D97-AF65-F5344CB8AC3E}">
@@ -4580,10 +4686,10 @@
       </p:grpSpPr>
       <p:pic>
         <p:nvPicPr>
-          <p:cNvPr id="4" name="Tijdelijke aanduiding voor inhoud 5">
-            <a:extLst>
-              <a:ext uri="{FF2B5EF4-FFF2-40B4-BE49-F238E27FC236}">
-                <a16:creationId xmlns:a16="http://schemas.microsoft.com/office/drawing/2014/main" id="{B01AF4B3-7A51-D5BD-2958-20827526D9CD}"/>
+          <p:cNvPr id="9" name="Tijdelijke aanduiding voor inhoud 4">
+            <a:extLst>
+              <a:ext uri="{FF2B5EF4-FFF2-40B4-BE49-F238E27FC236}">
+                <a16:creationId xmlns:a16="http://schemas.microsoft.com/office/drawing/2014/main" id="{1C7E6E36-6006-91F1-BA9C-C8237C5CBD51}"/>
               </a:ext>
             </a:extLst>
           </p:cNvPr>
@@ -4636,18 +4742,10 @@
           <a:lstStyle/>
           <a:p>
             <a:r>
-              <a:rPr lang="en-BE" b="1" dirty="0" err="1">
-                <a:solidFill>
-                  <a:schemeClr val="bg1"/>
-                </a:solidFill>
-              </a:rPr>
+              <a:rPr lang="en-BE" b="1" dirty="0" err="1"/>
               <a:t>Nadelen</a:t>
             </a:r>
-            <a:endParaRPr lang="nl-BE" b="1" dirty="0">
-              <a:solidFill>
-                <a:schemeClr val="bg1"/>
-              </a:solidFill>
-            </a:endParaRPr>
+            <a:endParaRPr lang="nl-BE" b="1" dirty="0"/>
           </a:p>
         </p:txBody>
       </p:sp>
@@ -4739,11 +4837,11 @@
           <a:p>
             <a:r>
               <a:rPr lang="nl-NL" b="1" dirty="0"/>
-              <a:t>Minder </a:t>
+              <a:t>B</a:t>
             </a:r>
             <a:r>
               <a:rPr lang="en-BE" b="1" dirty="0" err="1"/>
-              <a:t>robuust</a:t>
+              <a:t>eperkt</a:t>
             </a:r>
             <a:r>
               <a:rPr lang="nl-NL" b="1" dirty="0"/>
@@ -4763,7 +4861,7 @@
             </a:r>
             <a:r>
               <a:rPr lang="en-BE" dirty="0"/>
-              <a:t> / Node</a:t>
+              <a:t> / NodeJS</a:t>
             </a:r>
           </a:p>
           <a:p>
@@ -4771,6 +4869,42 @@
           </a:p>
         </p:txBody>
       </p:sp>
+      <p:pic>
+        <p:nvPicPr>
+          <p:cNvPr id="5" name="Afbeelding 4" descr="Afbeelding met clipart, tekenfilm&#10;&#10;Automatisch gegenereerde beschrijving">
+            <a:extLst>
+              <a:ext uri="{FF2B5EF4-FFF2-40B4-BE49-F238E27FC236}">
+                <a16:creationId xmlns:a16="http://schemas.microsoft.com/office/drawing/2014/main" id="{55A420C0-11B1-1E0F-1D63-6EC7ECD3BFEB}"/>
+              </a:ext>
+            </a:extLst>
+          </p:cNvPr>
+          <p:cNvPicPr>
+            <a:picLocks noChangeAspect="1"/>
+          </p:cNvPicPr>
+          <p:nvPr/>
+        </p:nvPicPr>
+        <p:blipFill>
+          <a:blip r:embed="rId4">
+            <a:extLst>
+              <a:ext uri="{28A0092B-C50C-407E-A947-70E740481C1C}">
+                <a14:useLocalDpi xmlns:a14="http://schemas.microsoft.com/office/drawing/2010/main" val="0"/>
+              </a:ext>
+            </a:extLst>
+          </a:blip>
+          <a:stretch>
+            <a:fillRect/>
+          </a:stretch>
+        </p:blipFill>
+        <p:spPr>
+          <a:xfrm>
+            <a:off x="7194188" y="4642325"/>
+            <a:ext cx="3655009" cy="2033778"/>
+          </a:xfrm>
+          <a:prstGeom prst="rect">
+            <a:avLst/>
+          </a:prstGeom>
+        </p:spPr>
+      </p:pic>
     </p:spTree>
     <p:extLst>
       <p:ext uri="{BB962C8B-B14F-4D97-AF65-F5344CB8AC3E}">
@@ -4806,10 +4940,10 @@
       </p:grpSpPr>
       <p:pic>
         <p:nvPicPr>
-          <p:cNvPr id="4" name="Tijdelijke aanduiding voor inhoud 4">
-            <a:extLst>
-              <a:ext uri="{FF2B5EF4-FFF2-40B4-BE49-F238E27FC236}">
-                <a16:creationId xmlns:a16="http://schemas.microsoft.com/office/drawing/2014/main" id="{425E55F4-E02C-2C05-B286-C1C9D5DC3338}"/>
+          <p:cNvPr id="5" name="Tijdelijke aanduiding voor inhoud 5">
+            <a:extLst>
+              <a:ext uri="{FF2B5EF4-FFF2-40B4-BE49-F238E27FC236}">
+                <a16:creationId xmlns:a16="http://schemas.microsoft.com/office/drawing/2014/main" id="{F4A593FA-04B8-2A22-4DD8-7C90E0BD892D}"/>
               </a:ext>
             </a:extLst>
           </p:cNvPr>
@@ -4862,10 +4996,18 @@
           <a:lstStyle/>
           <a:p>
             <a:r>
-              <a:rPr lang="en-BE" b="1" dirty="0" err="1"/>
+              <a:rPr lang="en-BE" b="1" dirty="0" err="1">
+                <a:solidFill>
+                  <a:schemeClr val="bg1"/>
+                </a:solidFill>
+              </a:rPr>
               <a:t>Implementaties</a:t>
             </a:r>
-            <a:endParaRPr lang="nl-BE" b="1" dirty="0"/>
+            <a:endParaRPr lang="nl-BE" b="1" dirty="0">
+              <a:solidFill>
+                <a:schemeClr val="bg1"/>
+              </a:solidFill>
+            </a:endParaRPr>
           </a:p>
         </p:txBody>
       </p:sp>
@@ -4982,10 +5124,10 @@
       </p:grpSpPr>
       <p:pic>
         <p:nvPicPr>
-          <p:cNvPr id="4" name="Tijdelijke aanduiding voor inhoud 5">
-            <a:extLst>
-              <a:ext uri="{FF2B5EF4-FFF2-40B4-BE49-F238E27FC236}">
-                <a16:creationId xmlns:a16="http://schemas.microsoft.com/office/drawing/2014/main" id="{F4A593FA-04B8-2A22-4DD8-7C90E0BD892D}"/>
+          <p:cNvPr id="5" name="Tijdelijke aanduiding voor inhoud 4">
+            <a:extLst>
+              <a:ext uri="{FF2B5EF4-FFF2-40B4-BE49-F238E27FC236}">
+                <a16:creationId xmlns:a16="http://schemas.microsoft.com/office/drawing/2014/main" id="{425E55F4-E02C-2C05-B286-C1C9D5DC3338}"/>
               </a:ext>
             </a:extLst>
           </p:cNvPr>
@@ -5038,18 +5180,10 @@
           <a:lstStyle/>
           <a:p>
             <a:r>
-              <a:rPr lang="en-BE" b="1" dirty="0" err="1">
-                <a:solidFill>
-                  <a:schemeClr val="bg1"/>
-                </a:solidFill>
-              </a:rPr>
+              <a:rPr lang="en-BE" b="1" dirty="0" err="1"/>
               <a:t>Bedenkingen</a:t>
             </a:r>
-            <a:endParaRPr lang="nl-BE" b="1" dirty="0">
-              <a:solidFill>
-                <a:schemeClr val="bg1"/>
-              </a:solidFill>
-            </a:endParaRPr>
+            <a:endParaRPr lang="nl-BE" b="1" dirty="0"/>
           </a:p>
         </p:txBody>
       </p:sp>
@@ -5112,11 +5246,19 @@
             </a:r>
             <a:r>
               <a:rPr lang="en-BE" dirty="0" err="1"/>
-              <a:t>niet</a:t>
+              <a:t>schijnbaar</a:t>
             </a:r>
             <a:r>
               <a:rPr lang="en-BE" dirty="0"/>
-              <a:t> zo popular? (2009)</a:t>
+              <a:t> minder </a:t>
+            </a:r>
+            <a:r>
+              <a:rPr lang="en-BE" dirty="0" err="1"/>
+              <a:t>populair</a:t>
+            </a:r>
+            <a:r>
+              <a:rPr lang="en-BE" dirty="0"/>
+              <a:t>? (2009)</a:t>
             </a:r>
           </a:p>
           <a:p>
@@ -5124,6 +5266,42 @@
           </a:p>
         </p:txBody>
       </p:sp>
+      <p:pic>
+        <p:nvPicPr>
+          <p:cNvPr id="8" name="Afbeelding 7" descr="Afbeelding met clipart, tekening, illustratie, Kinderkunst&#10;&#10;Automatisch gegenereerde beschrijving">
+            <a:extLst>
+              <a:ext uri="{FF2B5EF4-FFF2-40B4-BE49-F238E27FC236}">
+                <a16:creationId xmlns:a16="http://schemas.microsoft.com/office/drawing/2014/main" id="{74F08AE5-CF5E-01E0-AC4D-862C9976196E}"/>
+              </a:ext>
+            </a:extLst>
+          </p:cNvPr>
+          <p:cNvPicPr>
+            <a:picLocks noChangeAspect="1"/>
+          </p:cNvPicPr>
+          <p:nvPr/>
+        </p:nvPicPr>
+        <p:blipFill>
+          <a:blip r:embed="rId4">
+            <a:extLst>
+              <a:ext uri="{28A0092B-C50C-407E-A947-70E740481C1C}">
+                <a14:useLocalDpi xmlns:a14="http://schemas.microsoft.com/office/drawing/2010/main" val="0"/>
+              </a:ext>
+            </a:extLst>
+          </a:blip>
+          <a:stretch>
+            <a:fillRect/>
+          </a:stretch>
+        </p:blipFill>
+        <p:spPr>
+          <a:xfrm>
+            <a:off x="6854879" y="756873"/>
+            <a:ext cx="2456269" cy="2896929"/>
+          </a:xfrm>
+          <a:prstGeom prst="rect">
+            <a:avLst/>
+          </a:prstGeom>
+        </p:spPr>
+      </p:pic>
     </p:spTree>
     <p:extLst>
       <p:ext uri="{BB962C8B-B14F-4D97-AF65-F5344CB8AC3E}">
@@ -5355,6 +5533,30 @@
               <a:rPr lang="en-BE" dirty="0" err="1"/>
               <a:t>compilen</a:t>
             </a:r>
+            <a:r>
+              <a:rPr lang="en-BE" dirty="0"/>
+              <a:t> </a:t>
+            </a:r>
+            <a:r>
+              <a:rPr lang="en-BE" dirty="0" err="1"/>
+              <a:t>voor</a:t>
+            </a:r>
+            <a:r>
+              <a:rPr lang="en-BE" dirty="0"/>
+              <a:t> </a:t>
+            </a:r>
+            <a:r>
+              <a:rPr lang="en-BE" dirty="0" err="1"/>
+              <a:t>verschillende</a:t>
+            </a:r>
+            <a:r>
+              <a:rPr lang="en-BE" dirty="0"/>
+              <a:t> </a:t>
+            </a:r>
+            <a:r>
+              <a:rPr lang="en-BE" dirty="0" err="1"/>
+              <a:t>platformen</a:t>
+            </a:r>
             <a:endParaRPr lang="en-BE" dirty="0"/>
           </a:p>
           <a:p>
@@ -5447,20 +5649,28 @@
             <p:ph type="ctrTitle"/>
           </p:nvPr>
         </p:nvSpPr>
-        <p:spPr/>
-        <p:txBody>
-          <a:bodyPr/>
+        <p:spPr>
+          <a:xfrm>
+            <a:off x="1524000" y="1541462"/>
+            <a:ext cx="9144000" cy="2387600"/>
+          </a:xfrm>
+        </p:spPr>
+        <p:txBody>
+          <a:bodyPr>
+            <a:normAutofit/>
+          </a:bodyPr>
           <a:lstStyle/>
           <a:p>
-            <a:r>
-              <a:rPr lang="en-BE" b="1" dirty="0" err="1">
+            <a:pPr algn="l"/>
+            <a:r>
+              <a:rPr lang="en-BE" sz="13600" b="1" dirty="0" err="1">
                 <a:solidFill>
                   <a:schemeClr val="bg1"/>
                 </a:solidFill>
               </a:rPr>
               <a:t>Einde</a:t>
             </a:r>
-            <a:endParaRPr lang="nl-BE" b="1" dirty="0">
+            <a:endParaRPr lang="nl-BE" sz="13600" b="1" dirty="0">
               <a:solidFill>
                 <a:schemeClr val="bg1"/>
               </a:solidFill>
@@ -5484,13 +5694,21 @@
             <p:ph type="subTitle" idx="1"/>
           </p:nvPr>
         </p:nvSpPr>
-        <p:spPr/>
-        <p:txBody>
-          <a:bodyPr/>
+        <p:spPr>
+          <a:xfrm>
+            <a:off x="1625179" y="3637270"/>
+            <a:ext cx="9144000" cy="1655762"/>
+          </a:xfrm>
+        </p:spPr>
+        <p:txBody>
+          <a:bodyPr>
+            <a:normAutofit/>
+          </a:bodyPr>
           <a:lstStyle/>
           <a:p>
-            <a:r>
-              <a:rPr lang="en-BE" dirty="0" err="1">
+            <a:pPr algn="l"/>
+            <a:r>
+              <a:rPr lang="en-BE" sz="4000" dirty="0" err="1">
                 <a:solidFill>
                   <a:schemeClr val="bg1"/>
                 </a:solidFill>
@@ -5498,7 +5716,7 @@
               <a:t>Zijn</a:t>
             </a:r>
             <a:r>
-              <a:rPr lang="en-BE" dirty="0">
+              <a:rPr lang="en-BE" sz="4000" dirty="0">
                 <a:solidFill>
                   <a:schemeClr val="bg1"/>
                 </a:solidFill>
@@ -5506,7 +5724,7 @@
               <a:t> er </a:t>
             </a:r>
             <a:r>
-              <a:rPr lang="en-BE" dirty="0" err="1">
+              <a:rPr lang="en-BE" sz="4000" dirty="0" err="1">
                 <a:solidFill>
                   <a:schemeClr val="bg1"/>
                 </a:solidFill>
@@ -5514,7 +5732,7 @@
               <a:t>nog</a:t>
             </a:r>
             <a:r>
-              <a:rPr lang="en-BE" dirty="0">
+              <a:rPr lang="en-BE" sz="4000" dirty="0">
                 <a:solidFill>
                   <a:schemeClr val="bg1"/>
                 </a:solidFill>
@@ -5522,7 +5740,7 @@
               <a:t> </a:t>
             </a:r>
             <a:r>
-              <a:rPr lang="en-BE" dirty="0" err="1">
+              <a:rPr lang="en-BE" sz="4000" dirty="0" err="1">
                 <a:solidFill>
                   <a:schemeClr val="bg1"/>
                 </a:solidFill>
@@ -5530,14 +5748,14 @@
               <a:t>vragen</a:t>
             </a:r>
             <a:r>
-              <a:rPr lang="en-BE" dirty="0">
+              <a:rPr lang="en-BE" sz="4000" dirty="0">
                 <a:solidFill>
                   <a:schemeClr val="bg1"/>
                 </a:solidFill>
               </a:rPr>
               <a:t>?</a:t>
             </a:r>
-            <a:endParaRPr lang="nl-BE" dirty="0">
+            <a:endParaRPr lang="nl-BE" sz="4000" dirty="0">
               <a:solidFill>
                 <a:schemeClr val="bg1"/>
               </a:solidFill>
@@ -5545,6 +5763,42 @@
           </a:p>
         </p:txBody>
       </p:sp>
+      <p:pic>
+        <p:nvPicPr>
+          <p:cNvPr id="7" name="Afbeelding 6" descr="Afbeelding met tekening, schets, clipart, illustratie&#10;&#10;Automatisch gegenereerde beschrijving">
+            <a:extLst>
+              <a:ext uri="{FF2B5EF4-FFF2-40B4-BE49-F238E27FC236}">
+                <a16:creationId xmlns:a16="http://schemas.microsoft.com/office/drawing/2014/main" id="{404EFF37-BB63-2AA1-EDCD-4C55695126EB}"/>
+              </a:ext>
+            </a:extLst>
+          </p:cNvPr>
+          <p:cNvPicPr>
+            <a:picLocks noChangeAspect="1"/>
+          </p:cNvPicPr>
+          <p:nvPr/>
+        </p:nvPicPr>
+        <p:blipFill>
+          <a:blip r:embed="rId4">
+            <a:extLst>
+              <a:ext uri="{28A0092B-C50C-407E-A947-70E740481C1C}">
+                <a14:useLocalDpi xmlns:a14="http://schemas.microsoft.com/office/drawing/2010/main" val="0"/>
+              </a:ext>
+            </a:extLst>
+          </a:blip>
+          <a:stretch>
+            <a:fillRect/>
+          </a:stretch>
+        </p:blipFill>
+        <p:spPr>
+          <a:xfrm>
+            <a:off x="6331975" y="1541462"/>
+            <a:ext cx="4538382" cy="3429000"/>
+          </a:xfrm>
+          <a:prstGeom prst="rect">
+            <a:avLst/>
+          </a:prstGeom>
+        </p:spPr>
+      </p:pic>
     </p:spTree>
     <p:extLst>
       <p:ext uri="{BB962C8B-B14F-4D97-AF65-F5344CB8AC3E}">
@@ -5555,6 +5809,9 @@
   <p:clrMapOvr>
     <a:masterClrMapping/>
   </p:clrMapOvr>
+  <p:transition spd="slow">
+    <p:push dir="u"/>
+  </p:transition>
 </p:sld>
 </file>
 
@@ -6073,6 +6330,42 @@
           </a:p>
         </p:txBody>
       </p:sp>
+      <p:pic>
+        <p:nvPicPr>
+          <p:cNvPr id="4" name="Afbeelding 3" descr="Afbeelding met clipart, illustratie, Tekenfilm, tekenfilm&#10;&#10;Automatisch gegenereerde beschrijving">
+            <a:extLst>
+              <a:ext uri="{FF2B5EF4-FFF2-40B4-BE49-F238E27FC236}">
+                <a16:creationId xmlns:a16="http://schemas.microsoft.com/office/drawing/2014/main" id="{8E21E572-5724-DC1B-1B36-EF1C22952F01}"/>
+              </a:ext>
+            </a:extLst>
+          </p:cNvPr>
+          <p:cNvPicPr>
+            <a:picLocks noChangeAspect="1"/>
+          </p:cNvPicPr>
+          <p:nvPr/>
+        </p:nvPicPr>
+        <p:blipFill>
+          <a:blip r:embed="rId4">
+            <a:extLst>
+              <a:ext uri="{28A0092B-C50C-407E-A947-70E740481C1C}">
+                <a14:useLocalDpi xmlns:a14="http://schemas.microsoft.com/office/drawing/2010/main" val="0"/>
+              </a:ext>
+            </a:extLst>
+          </a:blip>
+          <a:stretch>
+            <a:fillRect/>
+          </a:stretch>
+        </p:blipFill>
+        <p:spPr>
+          <a:xfrm>
+            <a:off x="7039897" y="3136670"/>
+            <a:ext cx="2558845" cy="3480030"/>
+          </a:xfrm>
+          <a:prstGeom prst="rect">
+            <a:avLst/>
+          </a:prstGeom>
+        </p:spPr>
+      </p:pic>
     </p:spTree>
     <p:extLst>
       <p:ext uri="{BB962C8B-B14F-4D97-AF65-F5344CB8AC3E}">
@@ -7948,6 +8241,42 @@
           </a:p>
         </p:txBody>
       </p:sp>
+      <p:pic>
+        <p:nvPicPr>
+          <p:cNvPr id="6" name="Afbeelding 5" descr="Afbeelding met clipart, uil, illustratie, Tekenfilm&#10;&#10;Automatisch gegenereerde beschrijving">
+            <a:extLst>
+              <a:ext uri="{FF2B5EF4-FFF2-40B4-BE49-F238E27FC236}">
+                <a16:creationId xmlns:a16="http://schemas.microsoft.com/office/drawing/2014/main" id="{E2151104-BB07-A85A-74F1-7BCC46EE07CE}"/>
+              </a:ext>
+            </a:extLst>
+          </p:cNvPr>
+          <p:cNvPicPr>
+            <a:picLocks noChangeAspect="1"/>
+          </p:cNvPicPr>
+          <p:nvPr/>
+        </p:nvPicPr>
+        <p:blipFill>
+          <a:blip r:embed="rId4">
+            <a:extLst>
+              <a:ext uri="{28A0092B-C50C-407E-A947-70E740481C1C}">
+                <a14:useLocalDpi xmlns:a14="http://schemas.microsoft.com/office/drawing/2010/main" val="0"/>
+              </a:ext>
+            </a:extLst>
+          </a:blip>
+          <a:stretch>
+            <a:fillRect/>
+          </a:stretch>
+        </p:blipFill>
+        <p:spPr>
+          <a:xfrm>
+            <a:off x="7177548" y="1690688"/>
+            <a:ext cx="3416659" cy="4308983"/>
+          </a:xfrm>
+          <a:prstGeom prst="rect">
+            <a:avLst/>
+          </a:prstGeom>
+        </p:spPr>
+      </p:pic>
     </p:spTree>
     <p:extLst>
       <p:ext uri="{BB962C8B-B14F-4D97-AF65-F5344CB8AC3E}">
